--- a/Documents/Presentation.pptx
+++ b/Documents/Presentation.pptx
@@ -1,12 +1,26 @@
 
 <file path=ppt/presentation.xml><?xml version="1.0" encoding="utf-8"?>
-<p:presentation xmlns:a="http://schemas.openxmlformats.org/drawingml/2006/main" xmlns:r="http://schemas.openxmlformats.org/officeDocument/2006/relationships" xmlns:p="http://schemas.openxmlformats.org/presentationml/2006/main" autoCompressPictures="0">
+<p:presentation xmlns:a="http://schemas.openxmlformats.org/drawingml/2006/main" xmlns:r="http://schemas.openxmlformats.org/officeDocument/2006/relationships" xmlns:p="http://schemas.openxmlformats.org/presentationml/2006/main" showSpecialPlsOnTitleSld="0" autoCompressPictures="0">
   <p:sldMasterIdLst>
     <p:sldMasterId id="2147483648" r:id="rId1"/>
   </p:sldMasterIdLst>
+  <p:notesMasterIdLst>
+    <p:notesMasterId r:id="rId15"/>
+  </p:notesMasterIdLst>
   <p:sldIdLst>
     <p:sldId id="256" r:id="rId2"/>
     <p:sldId id="257" r:id="rId3"/>
+    <p:sldId id="258" r:id="rId4"/>
+    <p:sldId id="259" r:id="rId5"/>
+    <p:sldId id="260" r:id="rId6"/>
+    <p:sldId id="261" r:id="rId7"/>
+    <p:sldId id="262" r:id="rId8"/>
+    <p:sldId id="263" r:id="rId9"/>
+    <p:sldId id="264" r:id="rId10"/>
+    <p:sldId id="265" r:id="rId11"/>
+    <p:sldId id="266" r:id="rId12"/>
+    <p:sldId id="267" r:id="rId13"/>
+    <p:sldId id="268" r:id="rId14"/>
   </p:sldIdLst>
   <p:sldSz cx="12192000" cy="6858000"/>
   <p:notesSz cx="6858000" cy="9144000"/>
@@ -105,7 +119,446 @@
       </a:defRPr>
     </a:lvl9pPr>
   </p:defaultTextStyle>
+  <p:extLst>
+    <p:ext uri="{EFAFB233-063F-42B5-8137-9DF3F51BA10A}">
+      <p15:sldGuideLst xmlns:p15="http://schemas.microsoft.com/office/powerpoint/2012/main"/>
+    </p:ext>
+  </p:extLst>
 </p:presentation>
+</file>
+
+<file path=ppt/notesMasters/notesMaster1.xml><?xml version="1.0" encoding="utf-8"?>
+<p:notesMaster xmlns:a="http://schemas.openxmlformats.org/drawingml/2006/main" xmlns:r="http://schemas.openxmlformats.org/officeDocument/2006/relationships" xmlns:p="http://schemas.openxmlformats.org/presentationml/2006/main">
+  <p:cSld>
+    <p:bg>
+      <p:bgRef idx="1001">
+        <a:schemeClr val="bg1"/>
+      </p:bgRef>
+    </p:bg>
+    <p:spTree>
+      <p:nvGrpSpPr>
+        <p:cNvPr id="1" name=""/>
+        <p:cNvGrpSpPr/>
+        <p:nvPr/>
+      </p:nvGrpSpPr>
+      <p:grpSpPr>
+        <a:xfrm>
+          <a:off x="0" y="0"/>
+          <a:ext cx="0" cy="0"/>
+          <a:chOff x="0" y="0"/>
+          <a:chExt cx="0" cy="0"/>
+        </a:xfrm>
+      </p:grpSpPr>
+      <p:sp>
+        <p:nvSpPr>
+          <p:cNvPr id="2" name="Espace réservé de l'en-tête 1"/>
+          <p:cNvSpPr>
+            <a:spLocks noGrp="1"/>
+          </p:cNvSpPr>
+          <p:nvPr>
+            <p:ph type="hdr" sz="quarter"/>
+          </p:nvPr>
+        </p:nvSpPr>
+        <p:spPr>
+          <a:xfrm>
+            <a:off x="0" y="0"/>
+            <a:ext cx="2971800" cy="458788"/>
+          </a:xfrm>
+          <a:prstGeom prst="rect">
+            <a:avLst/>
+          </a:prstGeom>
+        </p:spPr>
+        <p:txBody>
+          <a:bodyPr vert="horz" lIns="91440" tIns="45720" rIns="91440" bIns="45720" rtlCol="0"/>
+          <a:lstStyle>
+            <a:lvl1pPr algn="l">
+              <a:defRPr sz="1200"/>
+            </a:lvl1pPr>
+          </a:lstStyle>
+          <a:p>
+            <a:endParaRPr lang="fr-FR"/>
+          </a:p>
+        </p:txBody>
+      </p:sp>
+      <p:sp>
+        <p:nvSpPr>
+          <p:cNvPr id="3" name="Espace réservé de la date 2"/>
+          <p:cNvSpPr>
+            <a:spLocks noGrp="1"/>
+          </p:cNvSpPr>
+          <p:nvPr>
+            <p:ph type="dt" idx="1"/>
+          </p:nvPr>
+        </p:nvSpPr>
+        <p:spPr>
+          <a:xfrm>
+            <a:off x="3884613" y="0"/>
+            <a:ext cx="2971800" cy="458788"/>
+          </a:xfrm>
+          <a:prstGeom prst="rect">
+            <a:avLst/>
+          </a:prstGeom>
+        </p:spPr>
+        <p:txBody>
+          <a:bodyPr vert="horz" lIns="91440" tIns="45720" rIns="91440" bIns="45720" rtlCol="0"/>
+          <a:lstStyle>
+            <a:lvl1pPr algn="r">
+              <a:defRPr sz="1200"/>
+            </a:lvl1pPr>
+          </a:lstStyle>
+          <a:p>
+            <a:fld id="{D77A0B08-571E-4725-81D7-31077CB6667A}" type="datetimeFigureOut">
+              <a:rPr lang="fr-FR" smtClean="0"/>
+              <a:t>13/05/2015</a:t>
+            </a:fld>
+            <a:endParaRPr lang="fr-FR"/>
+          </a:p>
+        </p:txBody>
+      </p:sp>
+      <p:sp>
+        <p:nvSpPr>
+          <p:cNvPr id="4" name="Espace réservé de l'image des diapositives 3"/>
+          <p:cNvSpPr>
+            <a:spLocks noGrp="1" noRot="1" noChangeAspect="1"/>
+          </p:cNvSpPr>
+          <p:nvPr>
+            <p:ph type="sldImg" idx="2"/>
+          </p:nvPr>
+        </p:nvSpPr>
+        <p:spPr>
+          <a:xfrm>
+            <a:off x="685800" y="1143000"/>
+            <a:ext cx="5486400" cy="3086100"/>
+          </a:xfrm>
+          <a:prstGeom prst="rect">
+            <a:avLst/>
+          </a:prstGeom>
+          <a:noFill/>
+          <a:ln w="12700">
+            <a:solidFill>
+              <a:prstClr val="black"/>
+            </a:solidFill>
+          </a:ln>
+        </p:spPr>
+        <p:txBody>
+          <a:bodyPr vert="horz" lIns="91440" tIns="45720" rIns="91440" bIns="45720" rtlCol="0" anchor="ctr"/>
+          <a:lstStyle/>
+          <a:p>
+            <a:endParaRPr lang="fr-FR"/>
+          </a:p>
+        </p:txBody>
+      </p:sp>
+      <p:sp>
+        <p:nvSpPr>
+          <p:cNvPr id="5" name="Espace réservé des commentaires 4"/>
+          <p:cNvSpPr>
+            <a:spLocks noGrp="1"/>
+          </p:cNvSpPr>
+          <p:nvPr>
+            <p:ph type="body" sz="quarter" idx="3"/>
+          </p:nvPr>
+        </p:nvSpPr>
+        <p:spPr>
+          <a:xfrm>
+            <a:off x="685800" y="4400550"/>
+            <a:ext cx="5486400" cy="3600450"/>
+          </a:xfrm>
+          <a:prstGeom prst="rect">
+            <a:avLst/>
+          </a:prstGeom>
+        </p:spPr>
+        <p:txBody>
+          <a:bodyPr vert="horz" lIns="91440" tIns="45720" rIns="91440" bIns="45720" rtlCol="0"/>
+          <a:lstStyle/>
+          <a:p>
+            <a:pPr lvl="0"/>
+            <a:r>
+              <a:rPr lang="fr-FR" smtClean="0"/>
+              <a:t>Modifiez les styles du texte du masque</a:t>
+            </a:r>
+          </a:p>
+          <a:p>
+            <a:pPr lvl="1"/>
+            <a:r>
+              <a:rPr lang="fr-FR" smtClean="0"/>
+              <a:t>Deuxième niveau</a:t>
+            </a:r>
+          </a:p>
+          <a:p>
+            <a:pPr lvl="2"/>
+            <a:r>
+              <a:rPr lang="fr-FR" smtClean="0"/>
+              <a:t>Troisième niveau</a:t>
+            </a:r>
+          </a:p>
+          <a:p>
+            <a:pPr lvl="3"/>
+            <a:r>
+              <a:rPr lang="fr-FR" smtClean="0"/>
+              <a:t>Quatrième niveau</a:t>
+            </a:r>
+          </a:p>
+          <a:p>
+            <a:pPr lvl="4"/>
+            <a:r>
+              <a:rPr lang="fr-FR" smtClean="0"/>
+              <a:t>Cinquième niveau</a:t>
+            </a:r>
+            <a:endParaRPr lang="fr-FR"/>
+          </a:p>
+        </p:txBody>
+      </p:sp>
+      <p:sp>
+        <p:nvSpPr>
+          <p:cNvPr id="6" name="Espace réservé du pied de page 5"/>
+          <p:cNvSpPr>
+            <a:spLocks noGrp="1"/>
+          </p:cNvSpPr>
+          <p:nvPr>
+            <p:ph type="ftr" sz="quarter" idx="4"/>
+          </p:nvPr>
+        </p:nvSpPr>
+        <p:spPr>
+          <a:xfrm>
+            <a:off x="0" y="8685213"/>
+            <a:ext cx="2971800" cy="458787"/>
+          </a:xfrm>
+          <a:prstGeom prst="rect">
+            <a:avLst/>
+          </a:prstGeom>
+        </p:spPr>
+        <p:txBody>
+          <a:bodyPr vert="horz" lIns="91440" tIns="45720" rIns="91440" bIns="45720" rtlCol="0" anchor="b"/>
+          <a:lstStyle>
+            <a:lvl1pPr algn="l">
+              <a:defRPr sz="1200"/>
+            </a:lvl1pPr>
+          </a:lstStyle>
+          <a:p>
+            <a:endParaRPr lang="fr-FR"/>
+          </a:p>
+        </p:txBody>
+      </p:sp>
+      <p:sp>
+        <p:nvSpPr>
+          <p:cNvPr id="7" name="Espace réservé du numéro de diapositive 6"/>
+          <p:cNvSpPr>
+            <a:spLocks noGrp="1"/>
+          </p:cNvSpPr>
+          <p:nvPr>
+            <p:ph type="sldNum" sz="quarter" idx="5"/>
+          </p:nvPr>
+        </p:nvSpPr>
+        <p:spPr>
+          <a:xfrm>
+            <a:off x="3884613" y="8685213"/>
+            <a:ext cx="2971800" cy="458787"/>
+          </a:xfrm>
+          <a:prstGeom prst="rect">
+            <a:avLst/>
+          </a:prstGeom>
+        </p:spPr>
+        <p:txBody>
+          <a:bodyPr vert="horz" lIns="91440" tIns="45720" rIns="91440" bIns="45720" rtlCol="0" anchor="b"/>
+          <a:lstStyle>
+            <a:lvl1pPr algn="r">
+              <a:defRPr sz="1200"/>
+            </a:lvl1pPr>
+          </a:lstStyle>
+          <a:p>
+            <a:fld id="{26538CB7-A675-4EDA-BB19-FBF686009093}" type="slidenum">
+              <a:rPr lang="fr-FR" smtClean="0"/>
+              <a:t>‹N°›</a:t>
+            </a:fld>
+            <a:endParaRPr lang="fr-FR"/>
+          </a:p>
+        </p:txBody>
+      </p:sp>
+    </p:spTree>
+    <p:extLst>
+      <p:ext uri="{BB962C8B-B14F-4D97-AF65-F5344CB8AC3E}">
+        <p14:creationId xmlns:p14="http://schemas.microsoft.com/office/powerpoint/2010/main" val="3938191158"/>
+      </p:ext>
+    </p:extLst>
+  </p:cSld>
+  <p:clrMap bg1="lt1" tx1="dk1" bg2="lt2" tx2="dk2" accent1="accent1" accent2="accent2" accent3="accent3" accent4="accent4" accent5="accent5" accent6="accent6" hlink="hlink" folHlink="folHlink"/>
+  <p:notesStyle>
+    <a:lvl1pPr marL="0" algn="l" defTabSz="914400" rtl="0" eaLnBrk="1" latinLnBrk="0" hangingPunct="1">
+      <a:defRPr sz="1200" kern="1200">
+        <a:solidFill>
+          <a:schemeClr val="tx1"/>
+        </a:solidFill>
+        <a:latin typeface="+mn-lt"/>
+        <a:ea typeface="+mn-ea"/>
+        <a:cs typeface="+mn-cs"/>
+      </a:defRPr>
+    </a:lvl1pPr>
+    <a:lvl2pPr marL="457200" algn="l" defTabSz="914400" rtl="0" eaLnBrk="1" latinLnBrk="0" hangingPunct="1">
+      <a:defRPr sz="1200" kern="1200">
+        <a:solidFill>
+          <a:schemeClr val="tx1"/>
+        </a:solidFill>
+        <a:latin typeface="+mn-lt"/>
+        <a:ea typeface="+mn-ea"/>
+        <a:cs typeface="+mn-cs"/>
+      </a:defRPr>
+    </a:lvl2pPr>
+    <a:lvl3pPr marL="914400" algn="l" defTabSz="914400" rtl="0" eaLnBrk="1" latinLnBrk="0" hangingPunct="1">
+      <a:defRPr sz="1200" kern="1200">
+        <a:solidFill>
+          <a:schemeClr val="tx1"/>
+        </a:solidFill>
+        <a:latin typeface="+mn-lt"/>
+        <a:ea typeface="+mn-ea"/>
+        <a:cs typeface="+mn-cs"/>
+      </a:defRPr>
+    </a:lvl3pPr>
+    <a:lvl4pPr marL="1371600" algn="l" defTabSz="914400" rtl="0" eaLnBrk="1" latinLnBrk="0" hangingPunct="1">
+      <a:defRPr sz="1200" kern="1200">
+        <a:solidFill>
+          <a:schemeClr val="tx1"/>
+        </a:solidFill>
+        <a:latin typeface="+mn-lt"/>
+        <a:ea typeface="+mn-ea"/>
+        <a:cs typeface="+mn-cs"/>
+      </a:defRPr>
+    </a:lvl4pPr>
+    <a:lvl5pPr marL="1828800" algn="l" defTabSz="914400" rtl="0" eaLnBrk="1" latinLnBrk="0" hangingPunct="1">
+      <a:defRPr sz="1200" kern="1200">
+        <a:solidFill>
+          <a:schemeClr val="tx1"/>
+        </a:solidFill>
+        <a:latin typeface="+mn-lt"/>
+        <a:ea typeface="+mn-ea"/>
+        <a:cs typeface="+mn-cs"/>
+      </a:defRPr>
+    </a:lvl5pPr>
+    <a:lvl6pPr marL="2286000" algn="l" defTabSz="914400" rtl="0" eaLnBrk="1" latinLnBrk="0" hangingPunct="1">
+      <a:defRPr sz="1200" kern="1200">
+        <a:solidFill>
+          <a:schemeClr val="tx1"/>
+        </a:solidFill>
+        <a:latin typeface="+mn-lt"/>
+        <a:ea typeface="+mn-ea"/>
+        <a:cs typeface="+mn-cs"/>
+      </a:defRPr>
+    </a:lvl6pPr>
+    <a:lvl7pPr marL="2743200" algn="l" defTabSz="914400" rtl="0" eaLnBrk="1" latinLnBrk="0" hangingPunct="1">
+      <a:defRPr sz="1200" kern="1200">
+        <a:solidFill>
+          <a:schemeClr val="tx1"/>
+        </a:solidFill>
+        <a:latin typeface="+mn-lt"/>
+        <a:ea typeface="+mn-ea"/>
+        <a:cs typeface="+mn-cs"/>
+      </a:defRPr>
+    </a:lvl7pPr>
+    <a:lvl8pPr marL="3200400" algn="l" defTabSz="914400" rtl="0" eaLnBrk="1" latinLnBrk="0" hangingPunct="1">
+      <a:defRPr sz="1200" kern="1200">
+        <a:solidFill>
+          <a:schemeClr val="tx1"/>
+        </a:solidFill>
+        <a:latin typeface="+mn-lt"/>
+        <a:ea typeface="+mn-ea"/>
+        <a:cs typeface="+mn-cs"/>
+      </a:defRPr>
+    </a:lvl8pPr>
+    <a:lvl9pPr marL="3657600" algn="l" defTabSz="914400" rtl="0" eaLnBrk="1" latinLnBrk="0" hangingPunct="1">
+      <a:defRPr sz="1200" kern="1200">
+        <a:solidFill>
+          <a:schemeClr val="tx1"/>
+        </a:solidFill>
+        <a:latin typeface="+mn-lt"/>
+        <a:ea typeface="+mn-ea"/>
+        <a:cs typeface="+mn-cs"/>
+      </a:defRPr>
+    </a:lvl9pPr>
+  </p:notesStyle>
+</p:notesMaster>
+</file>
+
+<file path=ppt/notesSlides/notesSlide1.xml><?xml version="1.0" encoding="utf-8"?>
+<p:notes xmlns:a="http://schemas.openxmlformats.org/drawingml/2006/main" xmlns:r="http://schemas.openxmlformats.org/officeDocument/2006/relationships" xmlns:p="http://schemas.openxmlformats.org/presentationml/2006/main">
+  <p:cSld>
+    <p:spTree>
+      <p:nvGrpSpPr>
+        <p:cNvPr id="1" name=""/>
+        <p:cNvGrpSpPr/>
+        <p:nvPr/>
+      </p:nvGrpSpPr>
+      <p:grpSpPr>
+        <a:xfrm>
+          <a:off x="0" y="0"/>
+          <a:ext cx="0" cy="0"/>
+          <a:chOff x="0" y="0"/>
+          <a:chExt cx="0" cy="0"/>
+        </a:xfrm>
+      </p:grpSpPr>
+      <p:sp>
+        <p:nvSpPr>
+          <p:cNvPr id="2" name="Espace réservé de l'image des diapositives 1"/>
+          <p:cNvSpPr>
+            <a:spLocks noGrp="1" noRot="1" noChangeAspect="1"/>
+          </p:cNvSpPr>
+          <p:nvPr>
+            <p:ph type="sldImg"/>
+          </p:nvPr>
+        </p:nvSpPr>
+        <p:spPr/>
+      </p:sp>
+      <p:sp>
+        <p:nvSpPr>
+          <p:cNvPr id="3" name="Espace réservé des commentaires 2"/>
+          <p:cNvSpPr>
+            <a:spLocks noGrp="1"/>
+          </p:cNvSpPr>
+          <p:nvPr>
+            <p:ph type="body" idx="1"/>
+          </p:nvPr>
+        </p:nvSpPr>
+        <p:spPr/>
+        <p:txBody>
+          <a:bodyPr/>
+          <a:lstStyle/>
+          <a:p>
+            <a:endParaRPr lang="fr-FR"/>
+          </a:p>
+        </p:txBody>
+      </p:sp>
+      <p:sp>
+        <p:nvSpPr>
+          <p:cNvPr id="4" name="Espace réservé du numéro de diapositive 3"/>
+          <p:cNvSpPr>
+            <a:spLocks noGrp="1"/>
+          </p:cNvSpPr>
+          <p:nvPr>
+            <p:ph type="sldNum" sz="quarter" idx="10"/>
+          </p:nvPr>
+        </p:nvSpPr>
+        <p:spPr/>
+        <p:txBody>
+          <a:bodyPr/>
+          <a:lstStyle/>
+          <a:p>
+            <a:fld id="{26538CB7-A675-4EDA-BB19-FBF686009093}" type="slidenum">
+              <a:rPr lang="fr-FR" smtClean="0"/>
+              <a:t>2</a:t>
+            </a:fld>
+            <a:endParaRPr lang="fr-FR"/>
+          </a:p>
+        </p:txBody>
+      </p:sp>
+    </p:spTree>
+    <p:extLst>
+      <p:ext uri="{BB962C8B-B14F-4D97-AF65-F5344CB8AC3E}">
+        <p14:creationId xmlns:p14="http://schemas.microsoft.com/office/powerpoint/2010/main" val="2166395779"/>
+      </p:ext>
+    </p:extLst>
+  </p:cSld>
+  <p:clrMapOvr>
+    <a:masterClrMapping/>
+  </p:clrMapOvr>
+</p:notes>
 </file>
 
 <file path=ppt/slideLayouts/slideLayout1.xml><?xml version="1.0" encoding="utf-8"?>
@@ -828,10 +1281,9 @@
           <a:bodyPr/>
           <a:lstStyle/>
           <a:p>
-            <a:fld id="{B61BEF0D-F0BB-DE4B-95CE-6DB70DBA9567}" type="datetimeFigureOut">
-              <a:rPr lang="en-US" dirty="0"/>
-              <a:pPr/>
-              <a:t>5/12/2015</a:t>
+            <a:fld id="{7B0316CE-43FA-425A-B0F8-8A7ED4CD7DB6}" type="datetime1">
+              <a:rPr lang="en-US" smtClean="0"/>
+              <a:t>5/13/2015</a:t>
             </a:fld>
             <a:endParaRPr lang="en-US" dirty="0"/>
           </a:p>
@@ -852,6 +1304,10 @@
           <a:bodyPr/>
           <a:lstStyle/>
           <a:p>
+            <a:r>
+              <a:rPr lang="fr-FR" smtClean="0"/>
+              <a:t>Projet RFID - La Ronde des Facs</a:t>
+            </a:r>
             <a:endParaRPr lang="en-US" dirty="0"/>
           </a:p>
         </p:txBody>
@@ -1076,10 +1532,9 @@
           <a:bodyPr/>
           <a:lstStyle/>
           <a:p>
-            <a:fld id="{B61BEF0D-F0BB-DE4B-95CE-6DB70DBA9567}" type="datetimeFigureOut">
-              <a:rPr lang="en-US" dirty="0"/>
-              <a:pPr/>
-              <a:t>5/12/2015</a:t>
+            <a:fld id="{DA623DA7-F03F-4256-BFCD-7F79C3894F74}" type="datetime1">
+              <a:rPr lang="en-US" smtClean="0"/>
+              <a:t>5/13/2015</a:t>
             </a:fld>
             <a:endParaRPr lang="en-US" dirty="0"/>
           </a:p>
@@ -1100,6 +1555,10 @@
           <a:bodyPr/>
           <a:lstStyle/>
           <a:p>
+            <a:r>
+              <a:rPr lang="fr-FR" smtClean="0"/>
+              <a:t>Projet RFID - La Ronde des Facs</a:t>
+            </a:r>
             <a:endParaRPr lang="en-US" dirty="0"/>
           </a:p>
         </p:txBody>
@@ -1387,10 +1846,9 @@
           <a:bodyPr/>
           <a:lstStyle/>
           <a:p>
-            <a:fld id="{B61BEF0D-F0BB-DE4B-95CE-6DB70DBA9567}" type="datetimeFigureOut">
-              <a:rPr lang="en-US" dirty="0"/>
-              <a:pPr/>
-              <a:t>5/12/2015</a:t>
+            <a:fld id="{8918486C-5461-4CC1-A20E-A37BDF994723}" type="datetime1">
+              <a:rPr lang="en-US" smtClean="0"/>
+              <a:t>5/13/2015</a:t>
             </a:fld>
             <a:endParaRPr lang="en-US" dirty="0"/>
           </a:p>
@@ -1411,6 +1869,10 @@
           <a:bodyPr/>
           <a:lstStyle/>
           <a:p>
+            <a:r>
+              <a:rPr lang="fr-FR" smtClean="0"/>
+              <a:t>Projet RFID - La Ronde des Facs</a:t>
+            </a:r>
             <a:endParaRPr lang="en-US" dirty="0"/>
           </a:p>
         </p:txBody>
@@ -1725,10 +2187,9 @@
           <a:bodyPr/>
           <a:lstStyle/>
           <a:p>
-            <a:fld id="{B61BEF0D-F0BB-DE4B-95CE-6DB70DBA9567}" type="datetimeFigureOut">
-              <a:rPr lang="en-US" dirty="0"/>
-              <a:pPr/>
-              <a:t>5/12/2015</a:t>
+            <a:fld id="{5586DEB7-13A8-44C5-B9D5-D3D98B03167B}" type="datetime1">
+              <a:rPr lang="en-US" smtClean="0"/>
+              <a:t>5/13/2015</a:t>
             </a:fld>
             <a:endParaRPr lang="en-US" dirty="0"/>
           </a:p>
@@ -1749,6 +2210,10 @@
           <a:bodyPr/>
           <a:lstStyle/>
           <a:p>
+            <a:r>
+              <a:rPr lang="fr-FR" smtClean="0"/>
+              <a:t>Projet RFID - La Ronde des Facs</a:t>
+            </a:r>
             <a:endParaRPr lang="en-US" dirty="0"/>
           </a:p>
         </p:txBody>
@@ -2036,10 +2501,9 @@
           <a:bodyPr/>
           <a:lstStyle/>
           <a:p>
-            <a:fld id="{B61BEF0D-F0BB-DE4B-95CE-6DB70DBA9567}" type="datetimeFigureOut">
-              <a:rPr lang="en-US" dirty="0"/>
-              <a:pPr/>
-              <a:t>5/12/2015</a:t>
+            <a:fld id="{9B622EAB-191C-4648-B2C9-A557A8BA3F86}" type="datetime1">
+              <a:rPr lang="en-US" smtClean="0"/>
+              <a:t>5/13/2015</a:t>
             </a:fld>
             <a:endParaRPr lang="en-US" dirty="0"/>
           </a:p>
@@ -2060,6 +2524,10 @@
           <a:bodyPr/>
           <a:lstStyle/>
           <a:p>
+            <a:r>
+              <a:rPr lang="fr-FR" smtClean="0"/>
+              <a:t>Projet RFID - La Ronde des Facs</a:t>
+            </a:r>
             <a:endParaRPr lang="en-US" dirty="0"/>
           </a:p>
         </p:txBody>
@@ -2426,10 +2894,9 @@
           <a:bodyPr/>
           <a:lstStyle/>
           <a:p>
-            <a:fld id="{B61BEF0D-F0BB-DE4B-95CE-6DB70DBA9567}" type="datetimeFigureOut">
-              <a:rPr lang="en-US" dirty="0"/>
-              <a:pPr/>
-              <a:t>5/12/2015</a:t>
+            <a:fld id="{077C5B5D-80D7-410D-B891-C413C8FE5514}" type="datetime1">
+              <a:rPr lang="en-US" smtClean="0"/>
+              <a:t>5/13/2015</a:t>
             </a:fld>
             <a:endParaRPr lang="en-US" dirty="0"/>
           </a:p>
@@ -2450,6 +2917,10 @@
           <a:bodyPr/>
           <a:lstStyle/>
           <a:p>
+            <a:r>
+              <a:rPr lang="fr-FR" smtClean="0"/>
+              <a:t>Projet RFID - La Ronde des Facs</a:t>
+            </a:r>
             <a:endParaRPr lang="en-US" dirty="0"/>
           </a:p>
         </p:txBody>
@@ -2593,9 +3064,9 @@
           <a:bodyPr/>
           <a:lstStyle/>
           <a:p>
-            <a:fld id="{55C6B4A9-1611-4792-9094-5F34BCA07E0B}" type="datetimeFigureOut">
-              <a:rPr lang="en-US" dirty="0"/>
-              <a:t>5/12/2015</a:t>
+            <a:fld id="{C5FBCE69-3DE4-4507-97DB-091D9D5AC9B8}" type="datetime1">
+              <a:rPr lang="en-US" smtClean="0"/>
+              <a:t>5/13/2015</a:t>
             </a:fld>
             <a:endParaRPr lang="en-US" dirty="0"/>
           </a:p>
@@ -2616,6 +3087,10 @@
           <a:bodyPr/>
           <a:lstStyle/>
           <a:p>
+            <a:r>
+              <a:rPr lang="fr-FR" smtClean="0"/>
+              <a:t>Projet RFID - La Ronde des Facs</a:t>
+            </a:r>
             <a:endParaRPr lang="en-US" dirty="0"/>
           </a:p>
         </p:txBody>
@@ -2768,10 +3243,9 @@
           <a:bodyPr/>
           <a:lstStyle/>
           <a:p>
-            <a:fld id="{B61BEF0D-F0BB-DE4B-95CE-6DB70DBA9567}" type="datetimeFigureOut">
-              <a:rPr lang="en-US" dirty="0"/>
-              <a:pPr/>
-              <a:t>5/12/2015</a:t>
+            <a:fld id="{F8549099-9812-4160-8DAB-4B4389FB4381}" type="datetime1">
+              <a:rPr lang="en-US" smtClean="0"/>
+              <a:t>5/13/2015</a:t>
             </a:fld>
             <a:endParaRPr lang="en-US" dirty="0"/>
           </a:p>
@@ -2792,6 +3266,10 @@
           <a:bodyPr/>
           <a:lstStyle/>
           <a:p>
+            <a:r>
+              <a:rPr lang="fr-FR" smtClean="0"/>
+              <a:t>Projet RFID - La Ronde des Facs</a:t>
+            </a:r>
             <a:endParaRPr lang="en-US" dirty="0"/>
           </a:p>
         </p:txBody>
@@ -2941,10 +3419,9 @@
           <a:bodyPr/>
           <a:lstStyle/>
           <a:p>
-            <a:fld id="{B61BEF0D-F0BB-DE4B-95CE-6DB70DBA9567}" type="datetimeFigureOut">
-              <a:rPr lang="en-US" dirty="0"/>
-              <a:pPr/>
-              <a:t>5/12/2015</a:t>
+            <a:fld id="{E2FEF936-8F9C-4B73-8A44-5EA5FD74E9DC}" type="datetime1">
+              <a:rPr lang="en-US" smtClean="0"/>
+              <a:t>5/13/2015</a:t>
             </a:fld>
             <a:endParaRPr lang="en-US" dirty="0"/>
           </a:p>
@@ -2965,6 +3442,10 @@
           <a:bodyPr/>
           <a:lstStyle/>
           <a:p>
+            <a:r>
+              <a:rPr lang="fr-FR" smtClean="0"/>
+              <a:t>Projet RFID - La Ronde des Facs</a:t>
+            </a:r>
             <a:endParaRPr lang="en-US" dirty="0"/>
           </a:p>
         </p:txBody>
@@ -3185,10 +3666,9 @@
           <a:bodyPr/>
           <a:lstStyle/>
           <a:p>
-            <a:fld id="{B61BEF0D-F0BB-DE4B-95CE-6DB70DBA9567}" type="datetimeFigureOut">
-              <a:rPr lang="en-US" dirty="0"/>
-              <a:pPr/>
-              <a:t>5/12/2015</a:t>
+            <a:fld id="{E8150EBF-736E-4F52-9C83-7AD6461D3151}" type="datetime1">
+              <a:rPr lang="en-US" smtClean="0"/>
+              <a:t>5/13/2015</a:t>
             </a:fld>
             <a:endParaRPr lang="en-US" dirty="0"/>
           </a:p>
@@ -3209,6 +3689,10 @@
           <a:bodyPr/>
           <a:lstStyle/>
           <a:p>
+            <a:r>
+              <a:rPr lang="fr-FR" smtClean="0"/>
+              <a:t>Projet RFID - La Ronde des Facs</a:t>
+            </a:r>
             <a:endParaRPr lang="en-US" dirty="0"/>
           </a:p>
         </p:txBody>
@@ -3414,9 +3898,9 @@
           <a:bodyPr/>
           <a:lstStyle/>
           <a:p>
-            <a:fld id="{EB712588-04B1-427B-82EE-E8DB90309F08}" type="datetimeFigureOut">
-              <a:rPr lang="en-US" dirty="0"/>
-              <a:t>5/12/2015</a:t>
+            <a:fld id="{C20EC992-8C2E-4DAD-AE93-4BF6CD8726FE}" type="datetime1">
+              <a:rPr lang="en-US" smtClean="0"/>
+              <a:t>5/13/2015</a:t>
             </a:fld>
             <a:endParaRPr lang="en-US" dirty="0"/>
           </a:p>
@@ -3437,6 +3921,10 @@
           <a:bodyPr/>
           <a:lstStyle/>
           <a:p>
+            <a:r>
+              <a:rPr lang="fr-FR" smtClean="0"/>
+              <a:t>Projet RFID - La Ronde des Facs</a:t>
+            </a:r>
             <a:endParaRPr lang="en-US" dirty="0"/>
           </a:p>
         </p:txBody>
@@ -3783,10 +4271,9 @@
           <a:bodyPr/>
           <a:lstStyle/>
           <a:p>
-            <a:fld id="{B61BEF0D-F0BB-DE4B-95CE-6DB70DBA9567}" type="datetimeFigureOut">
-              <a:rPr lang="en-US" dirty="0"/>
-              <a:pPr/>
-              <a:t>5/12/2015</a:t>
+            <a:fld id="{4510D53D-0BE2-4CAF-9862-E26D8204D99E}" type="datetime1">
+              <a:rPr lang="en-US" smtClean="0"/>
+              <a:t>5/13/2015</a:t>
             </a:fld>
             <a:endParaRPr lang="en-US" dirty="0"/>
           </a:p>
@@ -3807,6 +4294,10 @@
           <a:bodyPr/>
           <a:lstStyle/>
           <a:p>
+            <a:r>
+              <a:rPr lang="fr-FR" smtClean="0"/>
+              <a:t>Projet RFID - La Ronde des Facs</a:t>
+            </a:r>
             <a:endParaRPr lang="en-US" dirty="0"/>
           </a:p>
         </p:txBody>
@@ -3903,10 +4394,9 @@
           <a:bodyPr/>
           <a:lstStyle/>
           <a:p>
-            <a:fld id="{B61BEF0D-F0BB-DE4B-95CE-6DB70DBA9567}" type="datetimeFigureOut">
-              <a:rPr lang="en-US" dirty="0"/>
-              <a:pPr/>
-              <a:t>5/12/2015</a:t>
+            <a:fld id="{54764B46-BECC-426D-8767-23EEE0FCA456}" type="datetime1">
+              <a:rPr lang="en-US" smtClean="0"/>
+              <a:t>5/13/2015</a:t>
             </a:fld>
             <a:endParaRPr lang="en-US" dirty="0"/>
           </a:p>
@@ -3927,6 +4417,10 @@
           <a:bodyPr/>
           <a:lstStyle/>
           <a:p>
+            <a:r>
+              <a:rPr lang="fr-FR" smtClean="0"/>
+              <a:t>Projet RFID - La Ronde des Facs</a:t>
+            </a:r>
             <a:endParaRPr lang="en-US" dirty="0"/>
           </a:p>
         </p:txBody>
@@ -3995,10 +4489,9 @@
           <a:bodyPr/>
           <a:lstStyle/>
           <a:p>
-            <a:fld id="{B61BEF0D-F0BB-DE4B-95CE-6DB70DBA9567}" type="datetimeFigureOut">
-              <a:rPr lang="en-US" dirty="0"/>
-              <a:pPr/>
-              <a:t>5/12/2015</a:t>
+            <a:fld id="{E9AC7E3F-1488-4D52-A82E-9F05C8A30C4E}" type="datetime1">
+              <a:rPr lang="en-US" smtClean="0"/>
+              <a:t>5/13/2015</a:t>
             </a:fld>
             <a:endParaRPr lang="en-US" dirty="0"/>
           </a:p>
@@ -4019,6 +4512,10 @@
           <a:bodyPr/>
           <a:lstStyle/>
           <a:p>
+            <a:r>
+              <a:rPr lang="fr-FR" smtClean="0"/>
+              <a:t>Projet RFID - La Ronde des Facs</a:t>
+            </a:r>
             <a:endParaRPr lang="en-US" dirty="0"/>
           </a:p>
         </p:txBody>
@@ -4247,9 +4744,9 @@
           <a:bodyPr/>
           <a:lstStyle/>
           <a:p>
-            <a:fld id="{42A54C80-263E-416B-A8E0-580EDEADCBDC}" type="datetimeFigureOut">
-              <a:rPr lang="en-US" dirty="0"/>
-              <a:t>5/12/2015</a:t>
+            <a:fld id="{B69696D0-E78B-405C-B2B1-FF58EF74985E}" type="datetime1">
+              <a:rPr lang="en-US" smtClean="0"/>
+              <a:t>5/13/2015</a:t>
             </a:fld>
             <a:endParaRPr lang="en-US" dirty="0"/>
           </a:p>
@@ -4270,6 +4767,10 @@
           <a:bodyPr/>
           <a:lstStyle/>
           <a:p>
+            <a:r>
+              <a:rPr lang="fr-FR" smtClean="0"/>
+              <a:t>Projet RFID - La Ronde des Facs</a:t>
+            </a:r>
             <a:endParaRPr lang="en-US" dirty="0"/>
           </a:p>
         </p:txBody>
@@ -4505,10 +5006,9 @@
           <a:bodyPr/>
           <a:lstStyle/>
           <a:p>
-            <a:fld id="{B61BEF0D-F0BB-DE4B-95CE-6DB70DBA9567}" type="datetimeFigureOut">
-              <a:rPr lang="en-US" dirty="0"/>
-              <a:pPr/>
-              <a:t>5/12/2015</a:t>
+            <a:fld id="{9D143039-1CA4-4407-854C-A8F16C3D443C}" type="datetime1">
+              <a:rPr lang="en-US" smtClean="0"/>
+              <a:t>5/13/2015</a:t>
             </a:fld>
             <a:endParaRPr lang="en-US" dirty="0"/>
           </a:p>
@@ -4529,6 +5029,10 @@
           <a:bodyPr/>
           <a:lstStyle/>
           <a:p>
+            <a:r>
+              <a:rPr lang="fr-FR" smtClean="0"/>
+              <a:t>Projet RFID - La Ronde des Facs</a:t>
+            </a:r>
             <a:endParaRPr lang="en-US" dirty="0"/>
           </a:p>
         </p:txBody>
@@ -5245,10 +5749,9 @@
             </a:lvl1pPr>
           </a:lstStyle>
           <a:p>
-            <a:fld id="{B61BEF0D-F0BB-DE4B-95CE-6DB70DBA9567}" type="datetimeFigureOut">
-              <a:rPr lang="en-US" dirty="0"/>
-              <a:pPr/>
-              <a:t>5/12/2015</a:t>
+            <a:fld id="{544C4E03-1A4D-4629-8CCD-108F04E5FE8A}" type="datetime1">
+              <a:rPr lang="en-US" smtClean="0"/>
+              <a:t>5/13/2015</a:t>
             </a:fld>
             <a:endParaRPr lang="en-US" dirty="0"/>
           </a:p>
@@ -5287,6 +5790,10 @@
             </a:lvl1pPr>
           </a:lstStyle>
           <a:p>
+            <a:r>
+              <a:rPr lang="fr-FR" smtClean="0"/>
+              <a:t>Projet RFID - La Ronde des Facs</a:t>
+            </a:r>
             <a:endParaRPr lang="en-US" dirty="0"/>
           </a:p>
         </p:txBody>
@@ -5352,6 +5859,7 @@
     <p:sldLayoutId id="2147483667" r:id="rId15"/>
     <p:sldLayoutId id="2147483659" r:id="rId16"/>
   </p:sldLayoutIdLst>
+  <p:hf hdr="0" dt="0"/>
   <p:txStyles>
     <p:titleStyle>
       <a:lvl1pPr algn="l" defTabSz="457200" rtl="0" eaLnBrk="1" latinLnBrk="0" hangingPunct="1">
@@ -5841,7 +6349,6 @@
               <a:rPr lang="fr-FR" dirty="0"/>
               <a:t>Fillon</a:t>
             </a:r>
-            <a:endParaRPr lang="fr-FR" dirty="0"/>
           </a:p>
         </p:txBody>
       </p:sp>
@@ -5889,6 +6396,582 @@
 </p:sld>
 </file>
 
+<file path=ppt/slides/slide10.xml><?xml version="1.0" encoding="utf-8"?>
+<p:sld xmlns:a="http://schemas.openxmlformats.org/drawingml/2006/main" xmlns:r="http://schemas.openxmlformats.org/officeDocument/2006/relationships" xmlns:p="http://schemas.openxmlformats.org/presentationml/2006/main">
+  <p:cSld>
+    <p:spTree>
+      <p:nvGrpSpPr>
+        <p:cNvPr id="1" name=""/>
+        <p:cNvGrpSpPr/>
+        <p:nvPr/>
+      </p:nvGrpSpPr>
+      <p:grpSpPr>
+        <a:xfrm>
+          <a:off x="0" y="0"/>
+          <a:ext cx="0" cy="0"/>
+          <a:chOff x="0" y="0"/>
+          <a:chExt cx="0" cy="0"/>
+        </a:xfrm>
+      </p:grpSpPr>
+      <p:sp>
+        <p:nvSpPr>
+          <p:cNvPr id="2" name="Titre 1"/>
+          <p:cNvSpPr>
+            <a:spLocks noGrp="1"/>
+          </p:cNvSpPr>
+          <p:nvPr>
+            <p:ph type="title"/>
+          </p:nvPr>
+        </p:nvSpPr>
+        <p:spPr/>
+        <p:txBody>
+          <a:bodyPr/>
+          <a:lstStyle/>
+          <a:p>
+            <a:r>
+              <a:rPr lang="fr-FR" dirty="0" smtClean="0">
+                <a:latin typeface="Orator Std" panose="020D0509020203030204" pitchFamily="49" charset="0"/>
+              </a:rPr>
+              <a:t>État du projet</a:t>
+            </a:r>
+            <a:endParaRPr lang="fr-FR" dirty="0">
+              <a:latin typeface="Orator Std" panose="020D0509020203030204" pitchFamily="49" charset="0"/>
+            </a:endParaRPr>
+          </a:p>
+        </p:txBody>
+      </p:sp>
+      <p:sp>
+        <p:nvSpPr>
+          <p:cNvPr id="3" name="Espace réservé du contenu 2"/>
+          <p:cNvSpPr>
+            <a:spLocks noGrp="1"/>
+          </p:cNvSpPr>
+          <p:nvPr>
+            <p:ph idx="1"/>
+          </p:nvPr>
+        </p:nvSpPr>
+        <p:spPr/>
+        <p:txBody>
+          <a:bodyPr/>
+          <a:lstStyle/>
+          <a:p>
+            <a:endParaRPr lang="fr-FR" dirty="0" smtClean="0"/>
+          </a:p>
+          <a:p>
+            <a:pPr lvl="1"/>
+            <a:r>
+              <a:rPr lang="fr-FR" sz="2000" dirty="0" smtClean="0"/>
+              <a:t>Site internet			=			80%</a:t>
+            </a:r>
+          </a:p>
+          <a:p>
+            <a:pPr lvl="1"/>
+            <a:endParaRPr lang="fr-FR" sz="2000" dirty="0"/>
+          </a:p>
+          <a:p>
+            <a:pPr lvl="1"/>
+            <a:endParaRPr lang="fr-FR" sz="2000" dirty="0" smtClean="0"/>
+          </a:p>
+          <a:p>
+            <a:pPr lvl="1"/>
+            <a:r>
+              <a:rPr lang="fr-FR" sz="2000" dirty="0" smtClean="0"/>
+              <a:t>Application			=			70%</a:t>
+            </a:r>
+          </a:p>
+          <a:p>
+            <a:pPr lvl="1"/>
+            <a:endParaRPr lang="fr-FR" sz="2000" dirty="0"/>
+          </a:p>
+          <a:p>
+            <a:pPr lvl="1"/>
+            <a:endParaRPr lang="fr-FR" sz="2000" dirty="0" smtClean="0"/>
+          </a:p>
+          <a:p>
+            <a:pPr lvl="1"/>
+            <a:r>
+              <a:rPr lang="fr-FR" sz="2000" dirty="0" smtClean="0"/>
+              <a:t>Base de données 		= 			100%</a:t>
+            </a:r>
+            <a:endParaRPr lang="fr-FR" sz="2000" dirty="0"/>
+          </a:p>
+        </p:txBody>
+      </p:sp>
+      <p:sp>
+        <p:nvSpPr>
+          <p:cNvPr id="4" name="Espace réservé du pied de page 3"/>
+          <p:cNvSpPr>
+            <a:spLocks noGrp="1"/>
+          </p:cNvSpPr>
+          <p:nvPr>
+            <p:ph type="ftr" sz="quarter" idx="11"/>
+          </p:nvPr>
+        </p:nvSpPr>
+        <p:spPr/>
+        <p:txBody>
+          <a:bodyPr/>
+          <a:lstStyle/>
+          <a:p>
+            <a:r>
+              <a:rPr lang="fr-FR" smtClean="0"/>
+              <a:t>Projet RFID - La Ronde des Facs</a:t>
+            </a:r>
+            <a:endParaRPr lang="en-US" dirty="0"/>
+          </a:p>
+        </p:txBody>
+      </p:sp>
+      <p:sp>
+        <p:nvSpPr>
+          <p:cNvPr id="5" name="Espace réservé du numéro de diapositive 4"/>
+          <p:cNvSpPr>
+            <a:spLocks noGrp="1"/>
+          </p:cNvSpPr>
+          <p:nvPr>
+            <p:ph type="sldNum" sz="quarter" idx="12"/>
+          </p:nvPr>
+        </p:nvSpPr>
+        <p:spPr/>
+        <p:txBody>
+          <a:bodyPr/>
+          <a:lstStyle/>
+          <a:p>
+            <a:fld id="{D57F1E4F-1CFF-5643-939E-217C01CDF565}" type="slidenum">
+              <a:rPr lang="en-US" smtClean="0"/>
+              <a:pPr/>
+              <a:t>10</a:t>
+            </a:fld>
+            <a:endParaRPr lang="en-US" dirty="0"/>
+          </a:p>
+        </p:txBody>
+      </p:sp>
+    </p:spTree>
+    <p:extLst>
+      <p:ext uri="{BB962C8B-B14F-4D97-AF65-F5344CB8AC3E}">
+        <p14:creationId xmlns:p14="http://schemas.microsoft.com/office/powerpoint/2010/main" val="2073107819"/>
+      </p:ext>
+    </p:extLst>
+  </p:cSld>
+  <p:clrMapOvr>
+    <a:masterClrMapping/>
+  </p:clrMapOvr>
+</p:sld>
+</file>
+
+<file path=ppt/slides/slide11.xml><?xml version="1.0" encoding="utf-8"?>
+<p:sld xmlns:a="http://schemas.openxmlformats.org/drawingml/2006/main" xmlns:r="http://schemas.openxmlformats.org/officeDocument/2006/relationships" xmlns:p="http://schemas.openxmlformats.org/presentationml/2006/main">
+  <p:cSld>
+    <p:spTree>
+      <p:nvGrpSpPr>
+        <p:cNvPr id="1" name=""/>
+        <p:cNvGrpSpPr/>
+        <p:nvPr/>
+      </p:nvGrpSpPr>
+      <p:grpSpPr>
+        <a:xfrm>
+          <a:off x="0" y="0"/>
+          <a:ext cx="0" cy="0"/>
+          <a:chOff x="0" y="0"/>
+          <a:chExt cx="0" cy="0"/>
+        </a:xfrm>
+      </p:grpSpPr>
+      <p:sp>
+        <p:nvSpPr>
+          <p:cNvPr id="2" name="Titre 1"/>
+          <p:cNvSpPr>
+            <a:spLocks noGrp="1"/>
+          </p:cNvSpPr>
+          <p:nvPr>
+            <p:ph type="title"/>
+          </p:nvPr>
+        </p:nvSpPr>
+        <p:spPr>
+          <a:xfrm>
+            <a:off x="677334" y="609600"/>
+            <a:ext cx="8596668" cy="5431762"/>
+          </a:xfrm>
+        </p:spPr>
+        <p:txBody>
+          <a:bodyPr anchor="ctr">
+            <a:normAutofit/>
+          </a:bodyPr>
+          <a:lstStyle/>
+          <a:p>
+            <a:pPr algn="ctr"/>
+            <a:r>
+              <a:rPr lang="fr-FR" sz="4800" dirty="0">
+                <a:latin typeface="Orator Std" panose="020D0509020203030204" pitchFamily="49" charset="0"/>
+              </a:rPr>
+              <a:t>Démonstration</a:t>
+            </a:r>
+          </a:p>
+        </p:txBody>
+      </p:sp>
+      <p:sp>
+        <p:nvSpPr>
+          <p:cNvPr id="3" name="Espace réservé du contenu 2"/>
+          <p:cNvSpPr>
+            <a:spLocks noGrp="1"/>
+          </p:cNvSpPr>
+          <p:nvPr>
+            <p:ph idx="1"/>
+          </p:nvPr>
+        </p:nvSpPr>
+        <p:spPr/>
+        <p:txBody>
+          <a:bodyPr/>
+          <a:lstStyle/>
+          <a:p>
+            <a:endParaRPr lang="fr-FR" dirty="0" smtClean="0"/>
+          </a:p>
+        </p:txBody>
+      </p:sp>
+      <p:sp>
+        <p:nvSpPr>
+          <p:cNvPr id="4" name="Espace réservé du pied de page 3"/>
+          <p:cNvSpPr>
+            <a:spLocks noGrp="1"/>
+          </p:cNvSpPr>
+          <p:nvPr>
+            <p:ph type="ftr" sz="quarter" idx="11"/>
+          </p:nvPr>
+        </p:nvSpPr>
+        <p:spPr/>
+        <p:txBody>
+          <a:bodyPr/>
+          <a:lstStyle/>
+          <a:p>
+            <a:r>
+              <a:rPr lang="fr-FR" smtClean="0"/>
+              <a:t>Projet RFID - La Ronde des Facs</a:t>
+            </a:r>
+            <a:endParaRPr lang="en-US" dirty="0"/>
+          </a:p>
+        </p:txBody>
+      </p:sp>
+      <p:sp>
+        <p:nvSpPr>
+          <p:cNvPr id="5" name="Espace réservé du numéro de diapositive 4"/>
+          <p:cNvSpPr>
+            <a:spLocks noGrp="1"/>
+          </p:cNvSpPr>
+          <p:nvPr>
+            <p:ph type="sldNum" sz="quarter" idx="12"/>
+          </p:nvPr>
+        </p:nvSpPr>
+        <p:spPr/>
+        <p:txBody>
+          <a:bodyPr/>
+          <a:lstStyle/>
+          <a:p>
+            <a:fld id="{D57F1E4F-1CFF-5643-939E-217C01CDF565}" type="slidenum">
+              <a:rPr lang="en-US" smtClean="0"/>
+              <a:pPr/>
+              <a:t>11</a:t>
+            </a:fld>
+            <a:endParaRPr lang="en-US" dirty="0"/>
+          </a:p>
+        </p:txBody>
+      </p:sp>
+    </p:spTree>
+    <p:extLst>
+      <p:ext uri="{BB962C8B-B14F-4D97-AF65-F5344CB8AC3E}">
+        <p14:creationId xmlns:p14="http://schemas.microsoft.com/office/powerpoint/2010/main" val="2698986281"/>
+      </p:ext>
+    </p:extLst>
+  </p:cSld>
+  <p:clrMapOvr>
+    <a:masterClrMapping/>
+  </p:clrMapOvr>
+</p:sld>
+</file>
+
+<file path=ppt/slides/slide12.xml><?xml version="1.0" encoding="utf-8"?>
+<p:sld xmlns:a="http://schemas.openxmlformats.org/drawingml/2006/main" xmlns:r="http://schemas.openxmlformats.org/officeDocument/2006/relationships" xmlns:p="http://schemas.openxmlformats.org/presentationml/2006/main">
+  <p:cSld>
+    <p:spTree>
+      <p:nvGrpSpPr>
+        <p:cNvPr id="1" name=""/>
+        <p:cNvGrpSpPr/>
+        <p:nvPr/>
+      </p:nvGrpSpPr>
+      <p:grpSpPr>
+        <a:xfrm>
+          <a:off x="0" y="0"/>
+          <a:ext cx="0" cy="0"/>
+          <a:chOff x="0" y="0"/>
+          <a:chExt cx="0" cy="0"/>
+        </a:xfrm>
+      </p:grpSpPr>
+      <p:sp>
+        <p:nvSpPr>
+          <p:cNvPr id="2" name="Titre 1"/>
+          <p:cNvSpPr>
+            <a:spLocks noGrp="1"/>
+          </p:cNvSpPr>
+          <p:nvPr>
+            <p:ph type="title"/>
+          </p:nvPr>
+        </p:nvSpPr>
+        <p:spPr/>
+        <p:txBody>
+          <a:bodyPr/>
+          <a:lstStyle/>
+          <a:p>
+            <a:r>
+              <a:rPr lang="fr-FR" dirty="0" smtClean="0">
+                <a:latin typeface="Orator Std" panose="020D0509020203030204" pitchFamily="49" charset="0"/>
+              </a:rPr>
+              <a:t>Conclusion</a:t>
+            </a:r>
+            <a:endParaRPr lang="fr-FR" dirty="0">
+              <a:latin typeface="Orator Std" panose="020D0509020203030204" pitchFamily="49" charset="0"/>
+            </a:endParaRPr>
+          </a:p>
+        </p:txBody>
+      </p:sp>
+      <p:sp>
+        <p:nvSpPr>
+          <p:cNvPr id="3" name="Espace réservé du contenu 2"/>
+          <p:cNvSpPr>
+            <a:spLocks noGrp="1"/>
+          </p:cNvSpPr>
+          <p:nvPr>
+            <p:ph idx="1"/>
+          </p:nvPr>
+        </p:nvSpPr>
+        <p:spPr/>
+        <p:txBody>
+          <a:bodyPr/>
+          <a:lstStyle/>
+          <a:p>
+            <a:endParaRPr lang="fr-FR" dirty="0" smtClean="0"/>
+          </a:p>
+          <a:p>
+            <a:endParaRPr lang="fr-FR" dirty="0" smtClean="0"/>
+          </a:p>
+          <a:p>
+            <a:pPr lvl="1"/>
+            <a:r>
+              <a:rPr lang="fr-FR" sz="2000" dirty="0" smtClean="0"/>
+              <a:t>Expérience positive</a:t>
+            </a:r>
+          </a:p>
+          <a:p>
+            <a:pPr lvl="1"/>
+            <a:endParaRPr lang="fr-FR" sz="2000" dirty="0"/>
+          </a:p>
+          <a:p>
+            <a:pPr lvl="1"/>
+            <a:r>
+              <a:rPr lang="fr-FR" sz="2000" dirty="0" smtClean="0"/>
+              <a:t>Travail en groupe</a:t>
+            </a:r>
+          </a:p>
+          <a:p>
+            <a:pPr lvl="1"/>
+            <a:endParaRPr lang="fr-FR" sz="2000" dirty="0"/>
+          </a:p>
+          <a:p>
+            <a:pPr lvl="1"/>
+            <a:r>
+              <a:rPr lang="fr-FR" sz="2000" dirty="0" smtClean="0"/>
+              <a:t>Projet motivant</a:t>
+            </a:r>
+            <a:endParaRPr lang="fr-FR" sz="2000" dirty="0"/>
+          </a:p>
+        </p:txBody>
+      </p:sp>
+      <p:sp>
+        <p:nvSpPr>
+          <p:cNvPr id="4" name="Espace réservé du pied de page 3"/>
+          <p:cNvSpPr>
+            <a:spLocks noGrp="1"/>
+          </p:cNvSpPr>
+          <p:nvPr>
+            <p:ph type="ftr" sz="quarter" idx="11"/>
+          </p:nvPr>
+        </p:nvSpPr>
+        <p:spPr/>
+        <p:txBody>
+          <a:bodyPr/>
+          <a:lstStyle/>
+          <a:p>
+            <a:r>
+              <a:rPr lang="fr-FR" smtClean="0"/>
+              <a:t>Projet RFID - La Ronde des Facs</a:t>
+            </a:r>
+            <a:endParaRPr lang="en-US" dirty="0"/>
+          </a:p>
+        </p:txBody>
+      </p:sp>
+      <p:sp>
+        <p:nvSpPr>
+          <p:cNvPr id="5" name="Espace réservé du numéro de diapositive 4"/>
+          <p:cNvSpPr>
+            <a:spLocks noGrp="1"/>
+          </p:cNvSpPr>
+          <p:nvPr>
+            <p:ph type="sldNum" sz="quarter" idx="12"/>
+          </p:nvPr>
+        </p:nvSpPr>
+        <p:spPr/>
+        <p:txBody>
+          <a:bodyPr/>
+          <a:lstStyle/>
+          <a:p>
+            <a:fld id="{D57F1E4F-1CFF-5643-939E-217C01CDF565}" type="slidenum">
+              <a:rPr lang="en-US" smtClean="0"/>
+              <a:pPr/>
+              <a:t>12</a:t>
+            </a:fld>
+            <a:endParaRPr lang="en-US" dirty="0"/>
+          </a:p>
+        </p:txBody>
+      </p:sp>
+    </p:spTree>
+    <p:extLst>
+      <p:ext uri="{BB962C8B-B14F-4D97-AF65-F5344CB8AC3E}">
+        <p14:creationId xmlns:p14="http://schemas.microsoft.com/office/powerpoint/2010/main" val="415438664"/>
+      </p:ext>
+    </p:extLst>
+  </p:cSld>
+  <p:clrMapOvr>
+    <a:masterClrMapping/>
+  </p:clrMapOvr>
+</p:sld>
+</file>
+
+<file path=ppt/slides/slide13.xml><?xml version="1.0" encoding="utf-8"?>
+<p:sld xmlns:a="http://schemas.openxmlformats.org/drawingml/2006/main" xmlns:r="http://schemas.openxmlformats.org/officeDocument/2006/relationships" xmlns:p="http://schemas.openxmlformats.org/presentationml/2006/main">
+  <p:cSld>
+    <p:spTree>
+      <p:nvGrpSpPr>
+        <p:cNvPr id="1" name=""/>
+        <p:cNvGrpSpPr/>
+        <p:nvPr/>
+      </p:nvGrpSpPr>
+      <p:grpSpPr>
+        <a:xfrm>
+          <a:off x="0" y="0"/>
+          <a:ext cx="0" cy="0"/>
+          <a:chOff x="0" y="0"/>
+          <a:chExt cx="0" cy="0"/>
+        </a:xfrm>
+      </p:grpSpPr>
+      <p:sp>
+        <p:nvSpPr>
+          <p:cNvPr id="2" name="Titre 1"/>
+          <p:cNvSpPr>
+            <a:spLocks noGrp="1"/>
+          </p:cNvSpPr>
+          <p:nvPr>
+            <p:ph type="title"/>
+          </p:nvPr>
+        </p:nvSpPr>
+        <p:spPr>
+          <a:xfrm>
+            <a:off x="677334" y="609600"/>
+            <a:ext cx="8596668" cy="5431762"/>
+          </a:xfrm>
+        </p:spPr>
+        <p:txBody>
+          <a:bodyPr anchor="ctr">
+            <a:normAutofit/>
+          </a:bodyPr>
+          <a:lstStyle/>
+          <a:p>
+            <a:pPr algn="ctr"/>
+            <a:r>
+              <a:rPr lang="fr-FR" sz="4800" dirty="0" smtClean="0">
+                <a:latin typeface="Orator Std" panose="020D0509020203030204" pitchFamily="49" charset="0"/>
+              </a:rPr>
+              <a:t>Questions</a:t>
+            </a:r>
+            <a:endParaRPr lang="fr-FR" sz="4800" dirty="0">
+              <a:latin typeface="Orator Std" panose="020D0509020203030204" pitchFamily="49" charset="0"/>
+            </a:endParaRPr>
+          </a:p>
+        </p:txBody>
+      </p:sp>
+      <p:sp>
+        <p:nvSpPr>
+          <p:cNvPr id="3" name="Espace réservé du contenu 2"/>
+          <p:cNvSpPr>
+            <a:spLocks noGrp="1"/>
+          </p:cNvSpPr>
+          <p:nvPr>
+            <p:ph idx="1"/>
+          </p:nvPr>
+        </p:nvSpPr>
+        <p:spPr/>
+        <p:txBody>
+          <a:bodyPr/>
+          <a:lstStyle/>
+          <a:p>
+            <a:endParaRPr lang="fr-FR" dirty="0" smtClean="0"/>
+          </a:p>
+        </p:txBody>
+      </p:sp>
+      <p:sp>
+        <p:nvSpPr>
+          <p:cNvPr id="4" name="Espace réservé du pied de page 3"/>
+          <p:cNvSpPr>
+            <a:spLocks noGrp="1"/>
+          </p:cNvSpPr>
+          <p:nvPr>
+            <p:ph type="ftr" sz="quarter" idx="11"/>
+          </p:nvPr>
+        </p:nvSpPr>
+        <p:spPr/>
+        <p:txBody>
+          <a:bodyPr/>
+          <a:lstStyle/>
+          <a:p>
+            <a:r>
+              <a:rPr lang="fr-FR" smtClean="0"/>
+              <a:t>Projet RFID - La Ronde des Facs</a:t>
+            </a:r>
+            <a:endParaRPr lang="en-US" dirty="0"/>
+          </a:p>
+        </p:txBody>
+      </p:sp>
+      <p:sp>
+        <p:nvSpPr>
+          <p:cNvPr id="5" name="Espace réservé du numéro de diapositive 4"/>
+          <p:cNvSpPr>
+            <a:spLocks noGrp="1"/>
+          </p:cNvSpPr>
+          <p:nvPr>
+            <p:ph type="sldNum" sz="quarter" idx="12"/>
+          </p:nvPr>
+        </p:nvSpPr>
+        <p:spPr/>
+        <p:txBody>
+          <a:bodyPr/>
+          <a:lstStyle/>
+          <a:p>
+            <a:fld id="{D57F1E4F-1CFF-5643-939E-217C01CDF565}" type="slidenum">
+              <a:rPr lang="en-US" smtClean="0"/>
+              <a:pPr/>
+              <a:t>13</a:t>
+            </a:fld>
+            <a:endParaRPr lang="en-US" dirty="0"/>
+          </a:p>
+        </p:txBody>
+      </p:sp>
+    </p:spTree>
+    <p:extLst>
+      <p:ext uri="{BB962C8B-B14F-4D97-AF65-F5344CB8AC3E}">
+        <p14:creationId xmlns:p14="http://schemas.microsoft.com/office/powerpoint/2010/main" val="1541729739"/>
+      </p:ext>
+    </p:extLst>
+  </p:cSld>
+  <p:clrMapOvr>
+    <a:masterClrMapping/>
+  </p:clrMapOvr>
+</p:sld>
+</file>
+
 <file path=ppt/slides/slide2.xml><?xml version="1.0" encoding="utf-8"?>
 <p:sld xmlns:a="http://schemas.openxmlformats.org/drawingml/2006/main" xmlns:r="http://schemas.openxmlformats.org/officeDocument/2006/relationships" xmlns:p="http://schemas.openxmlformats.org/presentationml/2006/main">
   <p:cSld>
@@ -5925,7 +7008,7 @@
               <a:rPr lang="fr-FR" dirty="0" smtClean="0">
                 <a:latin typeface="Orator Std" panose="020D0509020203030204" pitchFamily="49" charset="0"/>
               </a:rPr>
-              <a:t>Introduction</a:t>
+              <a:t>Le contexte</a:t>
             </a:r>
             <a:endParaRPr lang="fr-FR" dirty="0">
               <a:latin typeface="Orator Std" panose="020D0509020203030204" pitchFamily="49" charset="0"/>
@@ -5948,7 +7031,78 @@
           <a:bodyPr/>
           <a:lstStyle/>
           <a:p>
+            <a:endParaRPr lang="fr-FR" dirty="0" smtClean="0"/>
+          </a:p>
+          <a:p>
+            <a:pPr marL="0" indent="0">
+              <a:buNone/>
+            </a:pPr>
+            <a:endParaRPr lang="fr-FR" dirty="0" smtClean="0"/>
+          </a:p>
+          <a:p>
+            <a:pPr lvl="1"/>
+            <a:r>
+              <a:rPr lang="fr-FR" sz="2000" dirty="0" smtClean="0"/>
+              <a:t>La Ronde des Facs</a:t>
+            </a:r>
+          </a:p>
+          <a:p>
             <a:endParaRPr lang="fr-FR" dirty="0"/>
+          </a:p>
+          <a:p>
+            <a:pPr lvl="1"/>
+            <a:r>
+              <a:rPr lang="fr-FR" sz="2000" dirty="0" smtClean="0"/>
+              <a:t>Les besoins</a:t>
+            </a:r>
+            <a:endParaRPr lang="fr-FR" sz="2000" dirty="0"/>
+          </a:p>
+        </p:txBody>
+      </p:sp>
+      <p:sp>
+        <p:nvSpPr>
+          <p:cNvPr id="4" name="Espace réservé du pied de page 3"/>
+          <p:cNvSpPr>
+            <a:spLocks noGrp="1"/>
+          </p:cNvSpPr>
+          <p:nvPr>
+            <p:ph type="ftr" sz="quarter" idx="11"/>
+          </p:nvPr>
+        </p:nvSpPr>
+        <p:spPr/>
+        <p:txBody>
+          <a:bodyPr/>
+          <a:lstStyle/>
+          <a:p>
+            <a:r>
+              <a:rPr lang="fr-FR" smtClean="0"/>
+              <a:t>Projet RFID - La Ronde des Facs</a:t>
+            </a:r>
+            <a:endParaRPr lang="en-US" dirty="0"/>
+          </a:p>
+        </p:txBody>
+      </p:sp>
+      <p:sp>
+        <p:nvSpPr>
+          <p:cNvPr id="5" name="Espace réservé du numéro de diapositive 4"/>
+          <p:cNvSpPr>
+            <a:spLocks noGrp="1"/>
+          </p:cNvSpPr>
+          <p:nvPr>
+            <p:ph type="sldNum" sz="quarter" idx="12"/>
+          </p:nvPr>
+        </p:nvSpPr>
+        <p:spPr/>
+        <p:txBody>
+          <a:bodyPr/>
+          <a:lstStyle/>
+          <a:p>
+            <a:fld id="{D57F1E4F-1CFF-5643-939E-217C01CDF565}" type="slidenum">
+              <a:rPr lang="en-US" smtClean="0"/>
+              <a:pPr/>
+              <a:t>2</a:t>
+            </a:fld>
+            <a:endParaRPr lang="en-US" dirty="0"/>
           </a:p>
         </p:txBody>
       </p:sp>
@@ -5956,6 +7110,1137 @@
     <p:extLst>
       <p:ext uri="{BB962C8B-B14F-4D97-AF65-F5344CB8AC3E}">
         <p14:creationId xmlns:p14="http://schemas.microsoft.com/office/powerpoint/2010/main" val="50084138"/>
+      </p:ext>
+    </p:extLst>
+  </p:cSld>
+  <p:clrMapOvr>
+    <a:masterClrMapping/>
+  </p:clrMapOvr>
+</p:sld>
+</file>
+
+<file path=ppt/slides/slide3.xml><?xml version="1.0" encoding="utf-8"?>
+<p:sld xmlns:a="http://schemas.openxmlformats.org/drawingml/2006/main" xmlns:r="http://schemas.openxmlformats.org/officeDocument/2006/relationships" xmlns:p="http://schemas.openxmlformats.org/presentationml/2006/main">
+  <p:cSld>
+    <p:spTree>
+      <p:nvGrpSpPr>
+        <p:cNvPr id="1" name=""/>
+        <p:cNvGrpSpPr/>
+        <p:nvPr/>
+      </p:nvGrpSpPr>
+      <p:grpSpPr>
+        <a:xfrm>
+          <a:off x="0" y="0"/>
+          <a:ext cx="0" cy="0"/>
+          <a:chOff x="0" y="0"/>
+          <a:chExt cx="0" cy="0"/>
+        </a:xfrm>
+      </p:grpSpPr>
+      <p:sp>
+        <p:nvSpPr>
+          <p:cNvPr id="2" name="Titre 1"/>
+          <p:cNvSpPr>
+            <a:spLocks noGrp="1"/>
+          </p:cNvSpPr>
+          <p:nvPr>
+            <p:ph type="title"/>
+          </p:nvPr>
+        </p:nvSpPr>
+        <p:spPr/>
+        <p:txBody>
+          <a:bodyPr/>
+          <a:lstStyle/>
+          <a:p>
+            <a:r>
+              <a:rPr lang="fr-FR" dirty="0" smtClean="0">
+                <a:latin typeface="Orator Std" panose="020D0509020203030204" pitchFamily="49" charset="0"/>
+              </a:rPr>
+              <a:t>Les besoins</a:t>
+            </a:r>
+            <a:endParaRPr lang="fr-FR" dirty="0">
+              <a:latin typeface="Orator Std" panose="020D0509020203030204" pitchFamily="49" charset="0"/>
+            </a:endParaRPr>
+          </a:p>
+        </p:txBody>
+      </p:sp>
+      <p:sp>
+        <p:nvSpPr>
+          <p:cNvPr id="3" name="Espace réservé du contenu 2"/>
+          <p:cNvSpPr>
+            <a:spLocks noGrp="1"/>
+          </p:cNvSpPr>
+          <p:nvPr>
+            <p:ph idx="1"/>
+          </p:nvPr>
+        </p:nvSpPr>
+        <p:spPr/>
+        <p:txBody>
+          <a:bodyPr/>
+          <a:lstStyle/>
+          <a:p>
+            <a:endParaRPr lang="fr-FR" dirty="0" smtClean="0"/>
+          </a:p>
+          <a:p>
+            <a:endParaRPr lang="fr-FR" dirty="0" smtClean="0"/>
+          </a:p>
+          <a:p>
+            <a:pPr lvl="1"/>
+            <a:r>
+              <a:rPr lang="fr-FR" sz="2000" dirty="0" smtClean="0"/>
+              <a:t>Site internet</a:t>
+            </a:r>
+          </a:p>
+          <a:p>
+            <a:pPr lvl="1"/>
+            <a:endParaRPr lang="fr-FR" sz="2000" dirty="0"/>
+          </a:p>
+          <a:p>
+            <a:pPr lvl="1"/>
+            <a:r>
+              <a:rPr lang="fr-FR" sz="2000" dirty="0" smtClean="0"/>
+              <a:t>Application</a:t>
+            </a:r>
+            <a:endParaRPr lang="fr-FR" sz="2000" dirty="0"/>
+          </a:p>
+        </p:txBody>
+      </p:sp>
+      <p:sp>
+        <p:nvSpPr>
+          <p:cNvPr id="4" name="Espace réservé du pied de page 3"/>
+          <p:cNvSpPr>
+            <a:spLocks noGrp="1"/>
+          </p:cNvSpPr>
+          <p:nvPr>
+            <p:ph type="ftr" sz="quarter" idx="11"/>
+          </p:nvPr>
+        </p:nvSpPr>
+        <p:spPr/>
+        <p:txBody>
+          <a:bodyPr/>
+          <a:lstStyle/>
+          <a:p>
+            <a:r>
+              <a:rPr lang="fr-FR" smtClean="0"/>
+              <a:t>Projet RFID - La Ronde des Facs</a:t>
+            </a:r>
+            <a:endParaRPr lang="en-US" dirty="0"/>
+          </a:p>
+        </p:txBody>
+      </p:sp>
+      <p:sp>
+        <p:nvSpPr>
+          <p:cNvPr id="5" name="Espace réservé du numéro de diapositive 4"/>
+          <p:cNvSpPr>
+            <a:spLocks noGrp="1"/>
+          </p:cNvSpPr>
+          <p:nvPr>
+            <p:ph type="sldNum" sz="quarter" idx="12"/>
+          </p:nvPr>
+        </p:nvSpPr>
+        <p:spPr/>
+        <p:txBody>
+          <a:bodyPr/>
+          <a:lstStyle/>
+          <a:p>
+            <a:fld id="{D57F1E4F-1CFF-5643-939E-217C01CDF565}" type="slidenum">
+              <a:rPr lang="en-US" smtClean="0"/>
+              <a:pPr/>
+              <a:t>3</a:t>
+            </a:fld>
+            <a:endParaRPr lang="en-US" dirty="0"/>
+          </a:p>
+        </p:txBody>
+      </p:sp>
+    </p:spTree>
+    <p:extLst>
+      <p:ext uri="{BB962C8B-B14F-4D97-AF65-F5344CB8AC3E}">
+        <p14:creationId xmlns:p14="http://schemas.microsoft.com/office/powerpoint/2010/main" val="1552704321"/>
+      </p:ext>
+    </p:extLst>
+  </p:cSld>
+  <p:clrMapOvr>
+    <a:masterClrMapping/>
+  </p:clrMapOvr>
+</p:sld>
+</file>
+
+<file path=ppt/slides/slide4.xml><?xml version="1.0" encoding="utf-8"?>
+<p:sld xmlns:a="http://schemas.openxmlformats.org/drawingml/2006/main" xmlns:r="http://schemas.openxmlformats.org/officeDocument/2006/relationships" xmlns:p="http://schemas.openxmlformats.org/presentationml/2006/main">
+  <p:cSld>
+    <p:spTree>
+      <p:nvGrpSpPr>
+        <p:cNvPr id="1" name=""/>
+        <p:cNvGrpSpPr/>
+        <p:nvPr/>
+      </p:nvGrpSpPr>
+      <p:grpSpPr>
+        <a:xfrm>
+          <a:off x="0" y="0"/>
+          <a:ext cx="0" cy="0"/>
+          <a:chOff x="0" y="0"/>
+          <a:chExt cx="0" cy="0"/>
+        </a:xfrm>
+      </p:grpSpPr>
+      <p:sp>
+        <p:nvSpPr>
+          <p:cNvPr id="2" name="Titre 1"/>
+          <p:cNvSpPr>
+            <a:spLocks noGrp="1"/>
+          </p:cNvSpPr>
+          <p:nvPr>
+            <p:ph type="title"/>
+          </p:nvPr>
+        </p:nvSpPr>
+        <p:spPr/>
+        <p:txBody>
+          <a:bodyPr/>
+          <a:lstStyle/>
+          <a:p>
+            <a:r>
+              <a:rPr lang="fr-FR" dirty="0" smtClean="0">
+                <a:latin typeface="Orator Std" panose="020D0509020203030204" pitchFamily="49" charset="0"/>
+              </a:rPr>
+              <a:t>Le projet</a:t>
+            </a:r>
+            <a:endParaRPr lang="fr-FR" dirty="0">
+              <a:latin typeface="Orator Std" panose="020D0509020203030204" pitchFamily="49" charset="0"/>
+            </a:endParaRPr>
+          </a:p>
+        </p:txBody>
+      </p:sp>
+      <p:sp>
+        <p:nvSpPr>
+          <p:cNvPr id="3" name="Espace réservé du contenu 2"/>
+          <p:cNvSpPr>
+            <a:spLocks noGrp="1"/>
+          </p:cNvSpPr>
+          <p:nvPr>
+            <p:ph idx="1"/>
+          </p:nvPr>
+        </p:nvSpPr>
+        <p:spPr/>
+        <p:txBody>
+          <a:bodyPr/>
+          <a:lstStyle/>
+          <a:p>
+            <a:endParaRPr lang="fr-FR" dirty="0" smtClean="0"/>
+          </a:p>
+          <a:p>
+            <a:pPr lvl="1"/>
+            <a:r>
+              <a:rPr lang="fr-FR" sz="2000" dirty="0" smtClean="0"/>
+              <a:t>Site internet </a:t>
+            </a:r>
+          </a:p>
+          <a:p>
+            <a:pPr lvl="1"/>
+            <a:endParaRPr lang="fr-FR" sz="2000" dirty="0" smtClean="0"/>
+          </a:p>
+          <a:p>
+            <a:pPr lvl="2"/>
+            <a:r>
+              <a:rPr lang="fr-FR" sz="1600" dirty="0" smtClean="0"/>
+              <a:t>Inscription à l’évènement</a:t>
+            </a:r>
+          </a:p>
+          <a:p>
+            <a:pPr lvl="2"/>
+            <a:endParaRPr lang="fr-FR" sz="1600" dirty="0"/>
+          </a:p>
+          <a:p>
+            <a:pPr lvl="2"/>
+            <a:r>
+              <a:rPr lang="fr-FR" sz="1600" dirty="0"/>
+              <a:t>Gestion des </a:t>
+            </a:r>
+            <a:r>
+              <a:rPr lang="fr-FR" sz="1600" dirty="0" smtClean="0"/>
+              <a:t>utilisateurs</a:t>
+            </a:r>
+          </a:p>
+          <a:p>
+            <a:pPr lvl="2"/>
+            <a:endParaRPr lang="fr-FR" sz="1600" dirty="0" smtClean="0"/>
+          </a:p>
+          <a:p>
+            <a:pPr lvl="2"/>
+            <a:r>
+              <a:rPr lang="fr-FR" sz="1600" dirty="0" smtClean="0"/>
+              <a:t>Visualisation des résultats (classement de la course)</a:t>
+            </a:r>
+          </a:p>
+        </p:txBody>
+      </p:sp>
+      <p:sp>
+        <p:nvSpPr>
+          <p:cNvPr id="4" name="Espace réservé du pied de page 3"/>
+          <p:cNvSpPr>
+            <a:spLocks noGrp="1"/>
+          </p:cNvSpPr>
+          <p:nvPr>
+            <p:ph type="ftr" sz="quarter" idx="11"/>
+          </p:nvPr>
+        </p:nvSpPr>
+        <p:spPr/>
+        <p:txBody>
+          <a:bodyPr/>
+          <a:lstStyle/>
+          <a:p>
+            <a:r>
+              <a:rPr lang="fr-FR" smtClean="0"/>
+              <a:t>Projet RFID - La Ronde des Facs</a:t>
+            </a:r>
+            <a:endParaRPr lang="en-US" dirty="0"/>
+          </a:p>
+        </p:txBody>
+      </p:sp>
+      <p:sp>
+        <p:nvSpPr>
+          <p:cNvPr id="5" name="Espace réservé du numéro de diapositive 4"/>
+          <p:cNvSpPr>
+            <a:spLocks noGrp="1"/>
+          </p:cNvSpPr>
+          <p:nvPr>
+            <p:ph type="sldNum" sz="quarter" idx="12"/>
+          </p:nvPr>
+        </p:nvSpPr>
+        <p:spPr/>
+        <p:txBody>
+          <a:bodyPr/>
+          <a:lstStyle/>
+          <a:p>
+            <a:fld id="{D57F1E4F-1CFF-5643-939E-217C01CDF565}" type="slidenum">
+              <a:rPr lang="en-US" smtClean="0"/>
+              <a:pPr/>
+              <a:t>4</a:t>
+            </a:fld>
+            <a:endParaRPr lang="en-US" dirty="0"/>
+          </a:p>
+        </p:txBody>
+      </p:sp>
+    </p:spTree>
+    <p:extLst>
+      <p:ext uri="{BB962C8B-B14F-4D97-AF65-F5344CB8AC3E}">
+        <p14:creationId xmlns:p14="http://schemas.microsoft.com/office/powerpoint/2010/main" val="321339268"/>
+      </p:ext>
+    </p:extLst>
+  </p:cSld>
+  <p:clrMapOvr>
+    <a:masterClrMapping/>
+  </p:clrMapOvr>
+</p:sld>
+</file>
+
+<file path=ppt/slides/slide5.xml><?xml version="1.0" encoding="utf-8"?>
+<p:sld xmlns:a="http://schemas.openxmlformats.org/drawingml/2006/main" xmlns:r="http://schemas.openxmlformats.org/officeDocument/2006/relationships" xmlns:p="http://schemas.openxmlformats.org/presentationml/2006/main">
+  <p:cSld>
+    <p:spTree>
+      <p:nvGrpSpPr>
+        <p:cNvPr id="1" name=""/>
+        <p:cNvGrpSpPr/>
+        <p:nvPr/>
+      </p:nvGrpSpPr>
+      <p:grpSpPr>
+        <a:xfrm>
+          <a:off x="0" y="0"/>
+          <a:ext cx="0" cy="0"/>
+          <a:chOff x="0" y="0"/>
+          <a:chExt cx="0" cy="0"/>
+        </a:xfrm>
+      </p:grpSpPr>
+      <p:sp>
+        <p:nvSpPr>
+          <p:cNvPr id="2" name="Titre 1"/>
+          <p:cNvSpPr>
+            <a:spLocks noGrp="1"/>
+          </p:cNvSpPr>
+          <p:nvPr>
+            <p:ph type="title"/>
+          </p:nvPr>
+        </p:nvSpPr>
+        <p:spPr/>
+        <p:txBody>
+          <a:bodyPr/>
+          <a:lstStyle/>
+          <a:p>
+            <a:r>
+              <a:rPr lang="fr-FR" dirty="0" smtClean="0">
+                <a:latin typeface="Orator Std" panose="020D0509020203030204" pitchFamily="49" charset="0"/>
+              </a:rPr>
+              <a:t>Le projet</a:t>
+            </a:r>
+            <a:endParaRPr lang="fr-FR" dirty="0">
+              <a:latin typeface="Orator Std" panose="020D0509020203030204" pitchFamily="49" charset="0"/>
+            </a:endParaRPr>
+          </a:p>
+        </p:txBody>
+      </p:sp>
+      <p:sp>
+        <p:nvSpPr>
+          <p:cNvPr id="3" name="Espace réservé du contenu 2"/>
+          <p:cNvSpPr>
+            <a:spLocks noGrp="1"/>
+          </p:cNvSpPr>
+          <p:nvPr>
+            <p:ph idx="1"/>
+          </p:nvPr>
+        </p:nvSpPr>
+        <p:spPr/>
+        <p:txBody>
+          <a:bodyPr/>
+          <a:lstStyle/>
+          <a:p>
+            <a:endParaRPr lang="fr-FR" dirty="0" smtClean="0"/>
+          </a:p>
+          <a:p>
+            <a:pPr lvl="1"/>
+            <a:r>
+              <a:rPr lang="fr-FR" sz="2000" dirty="0" smtClean="0"/>
+              <a:t>Application</a:t>
+            </a:r>
+          </a:p>
+          <a:p>
+            <a:pPr lvl="1"/>
+            <a:endParaRPr lang="fr-FR" sz="2000" dirty="0" smtClean="0"/>
+          </a:p>
+          <a:p>
+            <a:pPr lvl="2"/>
+            <a:r>
+              <a:rPr lang="fr-FR" sz="1600" dirty="0" smtClean="0"/>
+              <a:t>Gestion des bornes de passage</a:t>
+            </a:r>
+          </a:p>
+          <a:p>
+            <a:pPr lvl="2"/>
+            <a:endParaRPr lang="fr-FR" sz="1600" dirty="0"/>
+          </a:p>
+          <a:p>
+            <a:pPr lvl="2"/>
+            <a:r>
+              <a:rPr lang="fr-FR" sz="1600" dirty="0" smtClean="0"/>
+              <a:t>Centralisation des données</a:t>
+            </a:r>
+          </a:p>
+          <a:p>
+            <a:pPr lvl="2"/>
+            <a:endParaRPr lang="fr-FR" sz="1600" dirty="0" smtClean="0"/>
+          </a:p>
+          <a:p>
+            <a:pPr lvl="2"/>
+            <a:r>
+              <a:rPr lang="fr-FR" sz="1600" dirty="0" smtClean="0"/>
+              <a:t>Calcul des résultats</a:t>
+            </a:r>
+          </a:p>
+        </p:txBody>
+      </p:sp>
+      <p:sp>
+        <p:nvSpPr>
+          <p:cNvPr id="4" name="Espace réservé du pied de page 3"/>
+          <p:cNvSpPr>
+            <a:spLocks noGrp="1"/>
+          </p:cNvSpPr>
+          <p:nvPr>
+            <p:ph type="ftr" sz="quarter" idx="11"/>
+          </p:nvPr>
+        </p:nvSpPr>
+        <p:spPr/>
+        <p:txBody>
+          <a:bodyPr/>
+          <a:lstStyle/>
+          <a:p>
+            <a:r>
+              <a:rPr lang="fr-FR" smtClean="0"/>
+              <a:t>Projet RFID - La Ronde des Facs</a:t>
+            </a:r>
+            <a:endParaRPr lang="en-US" dirty="0"/>
+          </a:p>
+        </p:txBody>
+      </p:sp>
+      <p:sp>
+        <p:nvSpPr>
+          <p:cNvPr id="5" name="Espace réservé du numéro de diapositive 4"/>
+          <p:cNvSpPr>
+            <a:spLocks noGrp="1"/>
+          </p:cNvSpPr>
+          <p:nvPr>
+            <p:ph type="sldNum" sz="quarter" idx="12"/>
+          </p:nvPr>
+        </p:nvSpPr>
+        <p:spPr/>
+        <p:txBody>
+          <a:bodyPr/>
+          <a:lstStyle/>
+          <a:p>
+            <a:fld id="{D57F1E4F-1CFF-5643-939E-217C01CDF565}" type="slidenum">
+              <a:rPr lang="en-US" smtClean="0"/>
+              <a:pPr/>
+              <a:t>5</a:t>
+            </a:fld>
+            <a:endParaRPr lang="en-US" dirty="0"/>
+          </a:p>
+        </p:txBody>
+      </p:sp>
+    </p:spTree>
+    <p:extLst>
+      <p:ext uri="{BB962C8B-B14F-4D97-AF65-F5344CB8AC3E}">
+        <p14:creationId xmlns:p14="http://schemas.microsoft.com/office/powerpoint/2010/main" val="2553359380"/>
+      </p:ext>
+    </p:extLst>
+  </p:cSld>
+  <p:clrMapOvr>
+    <a:masterClrMapping/>
+  </p:clrMapOvr>
+</p:sld>
+</file>
+
+<file path=ppt/slides/slide6.xml><?xml version="1.0" encoding="utf-8"?>
+<p:sld xmlns:a="http://schemas.openxmlformats.org/drawingml/2006/main" xmlns:r="http://schemas.openxmlformats.org/officeDocument/2006/relationships" xmlns:p="http://schemas.openxmlformats.org/presentationml/2006/main">
+  <p:cSld>
+    <p:spTree>
+      <p:nvGrpSpPr>
+        <p:cNvPr id="1" name=""/>
+        <p:cNvGrpSpPr/>
+        <p:nvPr/>
+      </p:nvGrpSpPr>
+      <p:grpSpPr>
+        <a:xfrm>
+          <a:off x="0" y="0"/>
+          <a:ext cx="0" cy="0"/>
+          <a:chOff x="0" y="0"/>
+          <a:chExt cx="0" cy="0"/>
+        </a:xfrm>
+      </p:grpSpPr>
+      <p:sp>
+        <p:nvSpPr>
+          <p:cNvPr id="2" name="Titre 1"/>
+          <p:cNvSpPr>
+            <a:spLocks noGrp="1"/>
+          </p:cNvSpPr>
+          <p:nvPr>
+            <p:ph type="title"/>
+          </p:nvPr>
+        </p:nvSpPr>
+        <p:spPr/>
+        <p:txBody>
+          <a:bodyPr/>
+          <a:lstStyle/>
+          <a:p>
+            <a:r>
+              <a:rPr lang="fr-FR" dirty="0" smtClean="0">
+                <a:latin typeface="Orator Std" panose="020D0509020203030204" pitchFamily="49" charset="0"/>
+              </a:rPr>
+              <a:t>Choix techniques</a:t>
+            </a:r>
+            <a:endParaRPr lang="fr-FR" dirty="0">
+              <a:latin typeface="Orator Std" panose="020D0509020203030204" pitchFamily="49" charset="0"/>
+            </a:endParaRPr>
+          </a:p>
+        </p:txBody>
+      </p:sp>
+      <p:sp>
+        <p:nvSpPr>
+          <p:cNvPr id="3" name="Espace réservé du contenu 2"/>
+          <p:cNvSpPr>
+            <a:spLocks noGrp="1"/>
+          </p:cNvSpPr>
+          <p:nvPr>
+            <p:ph idx="1"/>
+          </p:nvPr>
+        </p:nvSpPr>
+        <p:spPr/>
+        <p:txBody>
+          <a:bodyPr>
+            <a:normAutofit/>
+          </a:bodyPr>
+          <a:lstStyle/>
+          <a:p>
+            <a:pPr lvl="1"/>
+            <a:endParaRPr lang="fr-FR" sz="2000" dirty="0" smtClean="0"/>
+          </a:p>
+          <a:p>
+            <a:pPr lvl="1"/>
+            <a:r>
+              <a:rPr lang="fr-FR" sz="2000" dirty="0" smtClean="0"/>
+              <a:t>Site internet</a:t>
+            </a:r>
+          </a:p>
+          <a:p>
+            <a:pPr lvl="1"/>
+            <a:endParaRPr lang="fr-FR" sz="2000" dirty="0"/>
+          </a:p>
+          <a:p>
+            <a:pPr lvl="2"/>
+            <a:r>
+              <a:rPr lang="fr-FR" sz="1800" dirty="0" smtClean="0"/>
+              <a:t>Architecture MVC</a:t>
+            </a:r>
+          </a:p>
+          <a:p>
+            <a:pPr lvl="2"/>
+            <a:endParaRPr lang="fr-FR" sz="1800" dirty="0"/>
+          </a:p>
+          <a:p>
+            <a:pPr lvl="2"/>
+            <a:r>
+              <a:rPr lang="fr-FR" sz="1800" dirty="0" smtClean="0"/>
+              <a:t>PHP / HTML / JavaScript / CSS</a:t>
+            </a:r>
+          </a:p>
+          <a:p>
+            <a:pPr lvl="2"/>
+            <a:endParaRPr lang="fr-FR" sz="1800" dirty="0"/>
+          </a:p>
+          <a:p>
+            <a:pPr lvl="2"/>
+            <a:r>
+              <a:rPr lang="fr-FR" sz="1800" dirty="0" smtClean="0"/>
+              <a:t>Web Service</a:t>
+            </a:r>
+          </a:p>
+          <a:p>
+            <a:pPr lvl="2"/>
+            <a:endParaRPr lang="fr-FR" sz="1800" dirty="0"/>
+          </a:p>
+        </p:txBody>
+      </p:sp>
+      <p:sp>
+        <p:nvSpPr>
+          <p:cNvPr id="4" name="Espace réservé du pied de page 3"/>
+          <p:cNvSpPr>
+            <a:spLocks noGrp="1"/>
+          </p:cNvSpPr>
+          <p:nvPr>
+            <p:ph type="ftr" sz="quarter" idx="11"/>
+          </p:nvPr>
+        </p:nvSpPr>
+        <p:spPr/>
+        <p:txBody>
+          <a:bodyPr/>
+          <a:lstStyle/>
+          <a:p>
+            <a:r>
+              <a:rPr lang="fr-FR" smtClean="0"/>
+              <a:t>Projet RFID - La Ronde des Facs</a:t>
+            </a:r>
+            <a:endParaRPr lang="en-US" dirty="0"/>
+          </a:p>
+        </p:txBody>
+      </p:sp>
+      <p:sp>
+        <p:nvSpPr>
+          <p:cNvPr id="5" name="Espace réservé du numéro de diapositive 4"/>
+          <p:cNvSpPr>
+            <a:spLocks noGrp="1"/>
+          </p:cNvSpPr>
+          <p:nvPr>
+            <p:ph type="sldNum" sz="quarter" idx="12"/>
+          </p:nvPr>
+        </p:nvSpPr>
+        <p:spPr/>
+        <p:txBody>
+          <a:bodyPr/>
+          <a:lstStyle/>
+          <a:p>
+            <a:fld id="{D57F1E4F-1CFF-5643-939E-217C01CDF565}" type="slidenum">
+              <a:rPr lang="en-US" smtClean="0"/>
+              <a:pPr/>
+              <a:t>6</a:t>
+            </a:fld>
+            <a:endParaRPr lang="en-US" dirty="0"/>
+          </a:p>
+        </p:txBody>
+      </p:sp>
+    </p:spTree>
+    <p:extLst>
+      <p:ext uri="{BB962C8B-B14F-4D97-AF65-F5344CB8AC3E}">
+        <p14:creationId xmlns:p14="http://schemas.microsoft.com/office/powerpoint/2010/main" val="2700602647"/>
+      </p:ext>
+    </p:extLst>
+  </p:cSld>
+  <p:clrMapOvr>
+    <a:masterClrMapping/>
+  </p:clrMapOvr>
+</p:sld>
+</file>
+
+<file path=ppt/slides/slide7.xml><?xml version="1.0" encoding="utf-8"?>
+<p:sld xmlns:a="http://schemas.openxmlformats.org/drawingml/2006/main" xmlns:r="http://schemas.openxmlformats.org/officeDocument/2006/relationships" xmlns:p="http://schemas.openxmlformats.org/presentationml/2006/main">
+  <p:cSld>
+    <p:spTree>
+      <p:nvGrpSpPr>
+        <p:cNvPr id="1" name=""/>
+        <p:cNvGrpSpPr/>
+        <p:nvPr/>
+      </p:nvGrpSpPr>
+      <p:grpSpPr>
+        <a:xfrm>
+          <a:off x="0" y="0"/>
+          <a:ext cx="0" cy="0"/>
+          <a:chOff x="0" y="0"/>
+          <a:chExt cx="0" cy="0"/>
+        </a:xfrm>
+      </p:grpSpPr>
+      <p:sp>
+        <p:nvSpPr>
+          <p:cNvPr id="2" name="Titre 1"/>
+          <p:cNvSpPr>
+            <a:spLocks noGrp="1"/>
+          </p:cNvSpPr>
+          <p:nvPr>
+            <p:ph type="title"/>
+          </p:nvPr>
+        </p:nvSpPr>
+        <p:spPr/>
+        <p:txBody>
+          <a:bodyPr/>
+          <a:lstStyle/>
+          <a:p>
+            <a:r>
+              <a:rPr lang="fr-FR" dirty="0" smtClean="0">
+                <a:latin typeface="Orator Std" panose="020D0509020203030204" pitchFamily="49" charset="0"/>
+              </a:rPr>
+              <a:t>Choix techniques</a:t>
+            </a:r>
+            <a:endParaRPr lang="fr-FR" dirty="0">
+              <a:latin typeface="Orator Std" panose="020D0509020203030204" pitchFamily="49" charset="0"/>
+            </a:endParaRPr>
+          </a:p>
+        </p:txBody>
+      </p:sp>
+      <p:sp>
+        <p:nvSpPr>
+          <p:cNvPr id="3" name="Espace réservé du contenu 2"/>
+          <p:cNvSpPr>
+            <a:spLocks noGrp="1"/>
+          </p:cNvSpPr>
+          <p:nvPr>
+            <p:ph idx="1"/>
+          </p:nvPr>
+        </p:nvSpPr>
+        <p:spPr/>
+        <p:txBody>
+          <a:bodyPr>
+            <a:normAutofit/>
+          </a:bodyPr>
+          <a:lstStyle/>
+          <a:p>
+            <a:pPr lvl="1"/>
+            <a:endParaRPr lang="fr-FR" sz="2000" dirty="0" smtClean="0"/>
+          </a:p>
+          <a:p>
+            <a:pPr lvl="1"/>
+            <a:r>
+              <a:rPr lang="fr-FR" sz="2000" dirty="0" smtClean="0"/>
+              <a:t>Application</a:t>
+            </a:r>
+          </a:p>
+          <a:p>
+            <a:pPr lvl="1"/>
+            <a:endParaRPr lang="fr-FR" sz="2000" dirty="0"/>
+          </a:p>
+          <a:p>
+            <a:pPr lvl="2"/>
+            <a:r>
+              <a:rPr lang="fr-FR" sz="1800" dirty="0" smtClean="0"/>
+              <a:t>C#</a:t>
+            </a:r>
+          </a:p>
+          <a:p>
+            <a:pPr lvl="2"/>
+            <a:endParaRPr lang="fr-FR" sz="1800" dirty="0"/>
+          </a:p>
+          <a:p>
+            <a:pPr lvl="2"/>
+            <a:r>
+              <a:rPr lang="fr-FR" sz="1800" dirty="0" smtClean="0"/>
+              <a:t>Interface graphique de gestion</a:t>
+            </a:r>
+          </a:p>
+          <a:p>
+            <a:pPr marL="914400" lvl="2" indent="0">
+              <a:buNone/>
+            </a:pPr>
+            <a:endParaRPr lang="fr-FR" sz="1800" dirty="0"/>
+          </a:p>
+          <a:p>
+            <a:pPr lvl="2"/>
+            <a:r>
+              <a:rPr lang="fr-FR" sz="1800" dirty="0" smtClean="0"/>
+              <a:t>Utilisation du Web Service </a:t>
+            </a:r>
+            <a:endParaRPr lang="fr-FR" sz="1800" dirty="0"/>
+          </a:p>
+        </p:txBody>
+      </p:sp>
+      <p:sp>
+        <p:nvSpPr>
+          <p:cNvPr id="4" name="Espace réservé du pied de page 3"/>
+          <p:cNvSpPr>
+            <a:spLocks noGrp="1"/>
+          </p:cNvSpPr>
+          <p:nvPr>
+            <p:ph type="ftr" sz="quarter" idx="11"/>
+          </p:nvPr>
+        </p:nvSpPr>
+        <p:spPr/>
+        <p:txBody>
+          <a:bodyPr/>
+          <a:lstStyle/>
+          <a:p>
+            <a:r>
+              <a:rPr lang="fr-FR" dirty="0" smtClean="0"/>
+              <a:t>Projet RFID - La Ronde des Facs</a:t>
+            </a:r>
+            <a:endParaRPr lang="en-US" dirty="0"/>
+          </a:p>
+        </p:txBody>
+      </p:sp>
+      <p:sp>
+        <p:nvSpPr>
+          <p:cNvPr id="5" name="Espace réservé du numéro de diapositive 4"/>
+          <p:cNvSpPr>
+            <a:spLocks noGrp="1"/>
+          </p:cNvSpPr>
+          <p:nvPr>
+            <p:ph type="sldNum" sz="quarter" idx="12"/>
+          </p:nvPr>
+        </p:nvSpPr>
+        <p:spPr/>
+        <p:txBody>
+          <a:bodyPr/>
+          <a:lstStyle/>
+          <a:p>
+            <a:fld id="{D57F1E4F-1CFF-5643-939E-217C01CDF565}" type="slidenum">
+              <a:rPr lang="en-US" smtClean="0"/>
+              <a:pPr/>
+              <a:t>7</a:t>
+            </a:fld>
+            <a:endParaRPr lang="en-US" dirty="0"/>
+          </a:p>
+        </p:txBody>
+      </p:sp>
+    </p:spTree>
+    <p:extLst>
+      <p:ext uri="{BB962C8B-B14F-4D97-AF65-F5344CB8AC3E}">
+        <p14:creationId xmlns:p14="http://schemas.microsoft.com/office/powerpoint/2010/main" val="3138372119"/>
+      </p:ext>
+    </p:extLst>
+  </p:cSld>
+  <p:clrMapOvr>
+    <a:masterClrMapping/>
+  </p:clrMapOvr>
+</p:sld>
+</file>
+
+<file path=ppt/slides/slide8.xml><?xml version="1.0" encoding="utf-8"?>
+<p:sld xmlns:a="http://schemas.openxmlformats.org/drawingml/2006/main" xmlns:r="http://schemas.openxmlformats.org/officeDocument/2006/relationships" xmlns:p="http://schemas.openxmlformats.org/presentationml/2006/main">
+  <p:cSld>
+    <p:spTree>
+      <p:nvGrpSpPr>
+        <p:cNvPr id="1" name=""/>
+        <p:cNvGrpSpPr/>
+        <p:nvPr/>
+      </p:nvGrpSpPr>
+      <p:grpSpPr>
+        <a:xfrm>
+          <a:off x="0" y="0"/>
+          <a:ext cx="0" cy="0"/>
+          <a:chOff x="0" y="0"/>
+          <a:chExt cx="0" cy="0"/>
+        </a:xfrm>
+      </p:grpSpPr>
+      <p:sp>
+        <p:nvSpPr>
+          <p:cNvPr id="2" name="Titre 1"/>
+          <p:cNvSpPr>
+            <a:spLocks noGrp="1"/>
+          </p:cNvSpPr>
+          <p:nvPr>
+            <p:ph type="title"/>
+          </p:nvPr>
+        </p:nvSpPr>
+        <p:spPr/>
+        <p:txBody>
+          <a:bodyPr/>
+          <a:lstStyle/>
+          <a:p>
+            <a:r>
+              <a:rPr lang="fr-FR" dirty="0" smtClean="0">
+                <a:latin typeface="Orator Std" panose="020D0509020203030204" pitchFamily="49" charset="0"/>
+              </a:rPr>
+              <a:t>Choix techniques</a:t>
+            </a:r>
+            <a:endParaRPr lang="fr-FR" dirty="0">
+              <a:latin typeface="Orator Std" panose="020D0509020203030204" pitchFamily="49" charset="0"/>
+            </a:endParaRPr>
+          </a:p>
+        </p:txBody>
+      </p:sp>
+      <p:sp>
+        <p:nvSpPr>
+          <p:cNvPr id="3" name="Espace réservé du contenu 2"/>
+          <p:cNvSpPr>
+            <a:spLocks noGrp="1"/>
+          </p:cNvSpPr>
+          <p:nvPr>
+            <p:ph idx="1"/>
+          </p:nvPr>
+        </p:nvSpPr>
+        <p:spPr/>
+        <p:txBody>
+          <a:bodyPr>
+            <a:normAutofit/>
+          </a:bodyPr>
+          <a:lstStyle/>
+          <a:p>
+            <a:pPr lvl="1"/>
+            <a:endParaRPr lang="fr-FR" sz="2000" dirty="0" smtClean="0"/>
+          </a:p>
+          <a:p>
+            <a:pPr lvl="1"/>
+            <a:r>
+              <a:rPr lang="fr-FR" sz="2000" dirty="0" smtClean="0"/>
+              <a:t>Bases de données</a:t>
+            </a:r>
+          </a:p>
+          <a:p>
+            <a:pPr lvl="1"/>
+            <a:endParaRPr lang="fr-FR" sz="2000" dirty="0"/>
+          </a:p>
+          <a:p>
+            <a:pPr lvl="2"/>
+            <a:r>
+              <a:rPr lang="fr-FR" sz="1800" dirty="0" smtClean="0"/>
+              <a:t>SQL Server</a:t>
+            </a:r>
+          </a:p>
+          <a:p>
+            <a:pPr lvl="2"/>
+            <a:endParaRPr lang="fr-FR" sz="1800" dirty="0" smtClean="0"/>
+          </a:p>
+          <a:p>
+            <a:pPr lvl="2"/>
+            <a:endParaRPr lang="fr-FR" sz="1800" dirty="0"/>
+          </a:p>
+          <a:p>
+            <a:pPr lvl="2"/>
+            <a:r>
+              <a:rPr lang="fr-FR" sz="1800" dirty="0" smtClean="0"/>
+              <a:t>Procédures stockées</a:t>
+            </a:r>
+          </a:p>
+        </p:txBody>
+      </p:sp>
+      <p:sp>
+        <p:nvSpPr>
+          <p:cNvPr id="4" name="Espace réservé du pied de page 3"/>
+          <p:cNvSpPr>
+            <a:spLocks noGrp="1"/>
+          </p:cNvSpPr>
+          <p:nvPr>
+            <p:ph type="ftr" sz="quarter" idx="11"/>
+          </p:nvPr>
+        </p:nvSpPr>
+        <p:spPr/>
+        <p:txBody>
+          <a:bodyPr/>
+          <a:lstStyle/>
+          <a:p>
+            <a:r>
+              <a:rPr lang="fr-FR" dirty="0" smtClean="0"/>
+              <a:t>Projet RFID - La Ronde des Facs</a:t>
+            </a:r>
+            <a:endParaRPr lang="en-US" dirty="0"/>
+          </a:p>
+        </p:txBody>
+      </p:sp>
+      <p:sp>
+        <p:nvSpPr>
+          <p:cNvPr id="5" name="Espace réservé du numéro de diapositive 4"/>
+          <p:cNvSpPr>
+            <a:spLocks noGrp="1"/>
+          </p:cNvSpPr>
+          <p:nvPr>
+            <p:ph type="sldNum" sz="quarter" idx="12"/>
+          </p:nvPr>
+        </p:nvSpPr>
+        <p:spPr/>
+        <p:txBody>
+          <a:bodyPr/>
+          <a:lstStyle/>
+          <a:p>
+            <a:fld id="{D57F1E4F-1CFF-5643-939E-217C01CDF565}" type="slidenum">
+              <a:rPr lang="en-US" smtClean="0"/>
+              <a:pPr/>
+              <a:t>8</a:t>
+            </a:fld>
+            <a:endParaRPr lang="en-US" dirty="0"/>
+          </a:p>
+        </p:txBody>
+      </p:sp>
+    </p:spTree>
+    <p:extLst>
+      <p:ext uri="{BB962C8B-B14F-4D97-AF65-F5344CB8AC3E}">
+        <p14:creationId xmlns:p14="http://schemas.microsoft.com/office/powerpoint/2010/main" val="2652145429"/>
+      </p:ext>
+    </p:extLst>
+  </p:cSld>
+  <p:clrMapOvr>
+    <a:masterClrMapping/>
+  </p:clrMapOvr>
+</p:sld>
+</file>
+
+<file path=ppt/slides/slide9.xml><?xml version="1.0" encoding="utf-8"?>
+<p:sld xmlns:a="http://schemas.openxmlformats.org/drawingml/2006/main" xmlns:r="http://schemas.openxmlformats.org/officeDocument/2006/relationships" xmlns:p="http://schemas.openxmlformats.org/presentationml/2006/main">
+  <p:cSld>
+    <p:spTree>
+      <p:nvGrpSpPr>
+        <p:cNvPr id="1" name=""/>
+        <p:cNvGrpSpPr/>
+        <p:nvPr/>
+      </p:nvGrpSpPr>
+      <p:grpSpPr>
+        <a:xfrm>
+          <a:off x="0" y="0"/>
+          <a:ext cx="0" cy="0"/>
+          <a:chOff x="0" y="0"/>
+          <a:chExt cx="0" cy="0"/>
+        </a:xfrm>
+      </p:grpSpPr>
+      <p:sp>
+        <p:nvSpPr>
+          <p:cNvPr id="2" name="Titre 1"/>
+          <p:cNvSpPr>
+            <a:spLocks noGrp="1"/>
+          </p:cNvSpPr>
+          <p:nvPr>
+            <p:ph type="title"/>
+          </p:nvPr>
+        </p:nvSpPr>
+        <p:spPr/>
+        <p:txBody>
+          <a:bodyPr/>
+          <a:lstStyle/>
+          <a:p>
+            <a:r>
+              <a:rPr lang="fr-FR" dirty="0" smtClean="0">
+                <a:latin typeface="Orator Std" panose="020D0509020203030204" pitchFamily="49" charset="0"/>
+              </a:rPr>
+              <a:t>Répartition des tâches</a:t>
+            </a:r>
+            <a:endParaRPr lang="fr-FR" dirty="0">
+              <a:latin typeface="Orator Std" panose="020D0509020203030204" pitchFamily="49" charset="0"/>
+            </a:endParaRPr>
+          </a:p>
+        </p:txBody>
+      </p:sp>
+      <p:sp>
+        <p:nvSpPr>
+          <p:cNvPr id="3" name="Espace réservé du contenu 2"/>
+          <p:cNvSpPr>
+            <a:spLocks noGrp="1"/>
+          </p:cNvSpPr>
+          <p:nvPr>
+            <p:ph idx="1"/>
+          </p:nvPr>
+        </p:nvSpPr>
+        <p:spPr/>
+        <p:txBody>
+          <a:bodyPr>
+            <a:normAutofit/>
+          </a:bodyPr>
+          <a:lstStyle/>
+          <a:p>
+            <a:endParaRPr lang="fr-FR" sz="2400" dirty="0" smtClean="0"/>
+          </a:p>
+          <a:p>
+            <a:pPr lvl="1"/>
+            <a:r>
+              <a:rPr lang="fr-FR" sz="2000" dirty="0" smtClean="0"/>
+              <a:t>Site internet 		-&gt; 		Mélanie Pacheco et Vincent Fillon</a:t>
+            </a:r>
+            <a:br>
+              <a:rPr lang="fr-FR" sz="2000" dirty="0" smtClean="0"/>
+            </a:br>
+            <a:endParaRPr lang="fr-FR" sz="2000" dirty="0" smtClean="0"/>
+          </a:p>
+          <a:p>
+            <a:pPr lvl="1"/>
+            <a:r>
+              <a:rPr lang="fr-FR" sz="2000" dirty="0" smtClean="0"/>
+              <a:t>Application 			-&gt;		Valentin Passé</a:t>
+            </a:r>
+          </a:p>
+          <a:p>
+            <a:endParaRPr lang="fr-FR" sz="2800" dirty="0"/>
+          </a:p>
+          <a:p>
+            <a:pPr lvl="1"/>
+            <a:r>
+              <a:rPr lang="fr-FR" sz="2000" dirty="0" smtClean="0"/>
+              <a:t>Bases de données 	-&gt; 		Quentin </a:t>
+            </a:r>
+            <a:r>
+              <a:rPr lang="fr-FR" sz="2000" dirty="0" err="1" smtClean="0"/>
+              <a:t>Garnerone</a:t>
+            </a:r>
+            <a:endParaRPr lang="fr-FR" sz="2000" dirty="0"/>
+          </a:p>
+        </p:txBody>
+      </p:sp>
+      <p:sp>
+        <p:nvSpPr>
+          <p:cNvPr id="4" name="Espace réservé du pied de page 3"/>
+          <p:cNvSpPr>
+            <a:spLocks noGrp="1"/>
+          </p:cNvSpPr>
+          <p:nvPr>
+            <p:ph type="ftr" sz="quarter" idx="11"/>
+          </p:nvPr>
+        </p:nvSpPr>
+        <p:spPr/>
+        <p:txBody>
+          <a:bodyPr/>
+          <a:lstStyle/>
+          <a:p>
+            <a:r>
+              <a:rPr lang="fr-FR" smtClean="0"/>
+              <a:t>Projet RFID - La Ronde des Facs</a:t>
+            </a:r>
+            <a:endParaRPr lang="en-US" dirty="0"/>
+          </a:p>
+        </p:txBody>
+      </p:sp>
+      <p:sp>
+        <p:nvSpPr>
+          <p:cNvPr id="5" name="Espace réservé du numéro de diapositive 4"/>
+          <p:cNvSpPr>
+            <a:spLocks noGrp="1"/>
+          </p:cNvSpPr>
+          <p:nvPr>
+            <p:ph type="sldNum" sz="quarter" idx="12"/>
+          </p:nvPr>
+        </p:nvSpPr>
+        <p:spPr/>
+        <p:txBody>
+          <a:bodyPr/>
+          <a:lstStyle/>
+          <a:p>
+            <a:fld id="{D57F1E4F-1CFF-5643-939E-217C01CDF565}" type="slidenum">
+              <a:rPr lang="en-US" smtClean="0"/>
+              <a:pPr/>
+              <a:t>9</a:t>
+            </a:fld>
+            <a:endParaRPr lang="en-US" dirty="0"/>
+          </a:p>
+        </p:txBody>
+      </p:sp>
+    </p:spTree>
+    <p:extLst>
+      <p:ext uri="{BB962C8B-B14F-4D97-AF65-F5344CB8AC3E}">
+        <p14:creationId xmlns:p14="http://schemas.microsoft.com/office/powerpoint/2010/main" val="3247417916"/>
       </p:ext>
     </p:extLst>
   </p:cSld>
@@ -6220,4 +8505,265 @@
     </a:ext>
   </a:extLst>
 </a:theme>
+</file>
+
+<file path=ppt/theme/theme2.xml><?xml version="1.0" encoding="utf-8"?>
+<a:theme xmlns:a="http://schemas.openxmlformats.org/drawingml/2006/main" name="Thème Office">
+  <a:themeElements>
+    <a:clrScheme name="Office">
+      <a:dk1>
+        <a:sysClr val="windowText" lastClr="000000"/>
+      </a:dk1>
+      <a:lt1>
+        <a:sysClr val="window" lastClr="FFFFFF"/>
+      </a:lt1>
+      <a:dk2>
+        <a:srgbClr val="44546A"/>
+      </a:dk2>
+      <a:lt2>
+        <a:srgbClr val="E7E6E6"/>
+      </a:lt2>
+      <a:accent1>
+        <a:srgbClr val="5B9BD5"/>
+      </a:accent1>
+      <a:accent2>
+        <a:srgbClr val="ED7D31"/>
+      </a:accent2>
+      <a:accent3>
+        <a:srgbClr val="A5A5A5"/>
+      </a:accent3>
+      <a:accent4>
+        <a:srgbClr val="FFC000"/>
+      </a:accent4>
+      <a:accent5>
+        <a:srgbClr val="4472C4"/>
+      </a:accent5>
+      <a:accent6>
+        <a:srgbClr val="70AD47"/>
+      </a:accent6>
+      <a:hlink>
+        <a:srgbClr val="0563C1"/>
+      </a:hlink>
+      <a:folHlink>
+        <a:srgbClr val="954F72"/>
+      </a:folHlink>
+    </a:clrScheme>
+    <a:fontScheme name="Office">
+      <a:majorFont>
+        <a:latin typeface="Calibri Light" panose="020F0302020204030204"/>
+        <a:ea typeface=""/>
+        <a:cs typeface=""/>
+        <a:font script="Jpan" typeface="ＭＳ Ｐゴシック"/>
+        <a:font script="Hang" typeface="맑은 고딕"/>
+        <a:font script="Hans" typeface="宋体"/>
+        <a:font script="Hant" typeface="新細明體"/>
+        <a:font script="Arab" typeface="Times New Roman"/>
+        <a:font script="Hebr" typeface="Times New Roman"/>
+        <a:font script="Thai" typeface="Angsana New"/>
+        <a:font script="Ethi" typeface="Nyala"/>
+        <a:font script="Beng" typeface="Vrinda"/>
+        <a:font script="Gujr" typeface="Shruti"/>
+        <a:font script="Khmr" typeface="MoolBoran"/>
+        <a:font script="Knda" typeface="Tunga"/>
+        <a:font script="Guru" typeface="Raavi"/>
+        <a:font script="Cans" typeface="Euphemia"/>
+        <a:font script="Cher" typeface="Plantagenet Cherokee"/>
+        <a:font script="Yiii" typeface="Microsoft Yi Baiti"/>
+        <a:font script="Tibt" typeface="Microsoft Himalaya"/>
+        <a:font script="Thaa" typeface="MV Boli"/>
+        <a:font script="Deva" typeface="Mangal"/>
+        <a:font script="Telu" typeface="Gautami"/>
+        <a:font script="Taml" typeface="Latha"/>
+        <a:font script="Syrc" typeface="Estrangelo Edessa"/>
+        <a:font script="Orya" typeface="Kalinga"/>
+        <a:font script="Mlym" typeface="Kartika"/>
+        <a:font script="Laoo" typeface="DokChampa"/>
+        <a:font script="Sinh" typeface="Iskoola Pota"/>
+        <a:font script="Mong" typeface="Mongolian Baiti"/>
+        <a:font script="Viet" typeface="Times New Roman"/>
+        <a:font script="Uigh" typeface="Microsoft Uighur"/>
+        <a:font script="Geor" typeface="Sylfaen"/>
+      </a:majorFont>
+      <a:minorFont>
+        <a:latin typeface="Calibri" panose="020F0502020204030204"/>
+        <a:ea typeface=""/>
+        <a:cs typeface=""/>
+        <a:font script="Jpan" typeface="ＭＳ Ｐゴシック"/>
+        <a:font script="Hang" typeface="맑은 고딕"/>
+        <a:font script="Hans" typeface="宋体"/>
+        <a:font script="Hant" typeface="新細明體"/>
+        <a:font script="Arab" typeface="Arial"/>
+        <a:font script="Hebr" typeface="Arial"/>
+        <a:font script="Thai" typeface="Cordia New"/>
+        <a:font script="Ethi" typeface="Nyala"/>
+        <a:font script="Beng" typeface="Vrinda"/>
+        <a:font script="Gujr" typeface="Shruti"/>
+        <a:font script="Khmr" typeface="DaunPenh"/>
+        <a:font script="Knda" typeface="Tunga"/>
+        <a:font script="Guru" typeface="Raavi"/>
+        <a:font script="Cans" typeface="Euphemia"/>
+        <a:font script="Cher" typeface="Plantagenet Cherokee"/>
+        <a:font script="Yiii" typeface="Microsoft Yi Baiti"/>
+        <a:font script="Tibt" typeface="Microsoft Himalaya"/>
+        <a:font script="Thaa" typeface="MV Boli"/>
+        <a:font script="Deva" typeface="Mangal"/>
+        <a:font script="Telu" typeface="Gautami"/>
+        <a:font script="Taml" typeface="Latha"/>
+        <a:font script="Syrc" typeface="Estrangelo Edessa"/>
+        <a:font script="Orya" typeface="Kalinga"/>
+        <a:font script="Mlym" typeface="Kartika"/>
+        <a:font script="Laoo" typeface="DokChampa"/>
+        <a:font script="Sinh" typeface="Iskoola Pota"/>
+        <a:font script="Mong" typeface="Mongolian Baiti"/>
+        <a:font script="Viet" typeface="Arial"/>
+        <a:font script="Uigh" typeface="Microsoft Uighur"/>
+        <a:font script="Geor" typeface="Sylfaen"/>
+      </a:minorFont>
+    </a:fontScheme>
+    <a:fmtScheme name="Office">
+      <a:fillStyleLst>
+        <a:solidFill>
+          <a:schemeClr val="phClr"/>
+        </a:solidFill>
+        <a:gradFill rotWithShape="1">
+          <a:gsLst>
+            <a:gs pos="0">
+              <a:schemeClr val="phClr">
+                <a:lumMod val="110000"/>
+                <a:satMod val="105000"/>
+                <a:tint val="67000"/>
+              </a:schemeClr>
+            </a:gs>
+            <a:gs pos="50000">
+              <a:schemeClr val="phClr">
+                <a:lumMod val="105000"/>
+                <a:satMod val="103000"/>
+                <a:tint val="73000"/>
+              </a:schemeClr>
+            </a:gs>
+            <a:gs pos="100000">
+              <a:schemeClr val="phClr">
+                <a:lumMod val="105000"/>
+                <a:satMod val="109000"/>
+                <a:tint val="81000"/>
+              </a:schemeClr>
+            </a:gs>
+          </a:gsLst>
+          <a:lin ang="5400000" scaled="0"/>
+        </a:gradFill>
+        <a:gradFill rotWithShape="1">
+          <a:gsLst>
+            <a:gs pos="0">
+              <a:schemeClr val="phClr">
+                <a:satMod val="103000"/>
+                <a:lumMod val="102000"/>
+                <a:tint val="94000"/>
+              </a:schemeClr>
+            </a:gs>
+            <a:gs pos="50000">
+              <a:schemeClr val="phClr">
+                <a:satMod val="110000"/>
+                <a:lumMod val="100000"/>
+                <a:shade val="100000"/>
+              </a:schemeClr>
+            </a:gs>
+            <a:gs pos="100000">
+              <a:schemeClr val="phClr">
+                <a:lumMod val="99000"/>
+                <a:satMod val="120000"/>
+                <a:shade val="78000"/>
+              </a:schemeClr>
+            </a:gs>
+          </a:gsLst>
+          <a:lin ang="5400000" scaled="0"/>
+        </a:gradFill>
+      </a:fillStyleLst>
+      <a:lnStyleLst>
+        <a:ln w="6350" cap="flat" cmpd="sng" algn="ctr">
+          <a:solidFill>
+            <a:schemeClr val="phClr"/>
+          </a:solidFill>
+          <a:prstDash val="solid"/>
+          <a:miter lim="800000"/>
+        </a:ln>
+        <a:ln w="12700" cap="flat" cmpd="sng" algn="ctr">
+          <a:solidFill>
+            <a:schemeClr val="phClr"/>
+          </a:solidFill>
+          <a:prstDash val="solid"/>
+          <a:miter lim="800000"/>
+        </a:ln>
+        <a:ln w="19050" cap="flat" cmpd="sng" algn="ctr">
+          <a:solidFill>
+            <a:schemeClr val="phClr"/>
+          </a:solidFill>
+          <a:prstDash val="solid"/>
+          <a:miter lim="800000"/>
+        </a:ln>
+      </a:lnStyleLst>
+      <a:effectStyleLst>
+        <a:effectStyle>
+          <a:effectLst/>
+        </a:effectStyle>
+        <a:effectStyle>
+          <a:effectLst/>
+        </a:effectStyle>
+        <a:effectStyle>
+          <a:effectLst>
+            <a:outerShdw blurRad="57150" dist="19050" dir="5400000" algn="ctr" rotWithShape="0">
+              <a:srgbClr val="000000">
+                <a:alpha val="63000"/>
+              </a:srgbClr>
+            </a:outerShdw>
+          </a:effectLst>
+        </a:effectStyle>
+      </a:effectStyleLst>
+      <a:bgFillStyleLst>
+        <a:solidFill>
+          <a:schemeClr val="phClr"/>
+        </a:solidFill>
+        <a:solidFill>
+          <a:schemeClr val="phClr">
+            <a:tint val="95000"/>
+            <a:satMod val="170000"/>
+          </a:schemeClr>
+        </a:solidFill>
+        <a:gradFill rotWithShape="1">
+          <a:gsLst>
+            <a:gs pos="0">
+              <a:schemeClr val="phClr">
+                <a:tint val="93000"/>
+                <a:satMod val="150000"/>
+                <a:shade val="98000"/>
+                <a:lumMod val="102000"/>
+              </a:schemeClr>
+            </a:gs>
+            <a:gs pos="50000">
+              <a:schemeClr val="phClr">
+                <a:tint val="98000"/>
+                <a:satMod val="130000"/>
+                <a:shade val="90000"/>
+                <a:lumMod val="103000"/>
+              </a:schemeClr>
+            </a:gs>
+            <a:gs pos="100000">
+              <a:schemeClr val="phClr">
+                <a:shade val="63000"/>
+                <a:satMod val="120000"/>
+              </a:schemeClr>
+            </a:gs>
+          </a:gsLst>
+          <a:lin ang="5400000" scaled="0"/>
+        </a:gradFill>
+      </a:bgFillStyleLst>
+    </a:fmtScheme>
+  </a:themeElements>
+  <a:objectDefaults/>
+  <a:extraClrSchemeLst/>
+  <a:extLst>
+    <a:ext uri="{05A4C25C-085E-4340-85A3-A5531E510DB2}">
+      <thm15:themeFamily xmlns:thm15="http://schemas.microsoft.com/office/thememl/2012/main" name="Office Theme" id="{62F939B6-93AF-4DB8-9C6B-D6C7DFDC589F}" vid="{4A3C46E8-61CC-4603-A589-7422A47A8E4A}"/>
+    </a:ext>
+  </a:extLst>
+</a:theme>
 </file>